--- a/ATVBMHTTT.pptx
+++ b/ATVBMHTTT.pptx
@@ -5,7 +5,7 @@
     <p:sldMasterId id="2147483744" r:id="rId1"/>
   </p:sldMasterIdLst>
   <p:notesMasterIdLst>
-    <p:notesMasterId r:id="rId25"/>
+    <p:notesMasterId r:id="rId26"/>
   </p:notesMasterIdLst>
   <p:sldIdLst>
     <p:sldId id="256" r:id="rId2"/>
@@ -21,16 +21,17 @@
     <p:sldId id="266" r:id="rId12"/>
     <p:sldId id="267" r:id="rId13"/>
     <p:sldId id="268" r:id="rId14"/>
-    <p:sldId id="269" r:id="rId15"/>
-    <p:sldId id="270" r:id="rId16"/>
-    <p:sldId id="271" r:id="rId17"/>
-    <p:sldId id="272" r:id="rId18"/>
-    <p:sldId id="273" r:id="rId19"/>
-    <p:sldId id="274" r:id="rId20"/>
-    <p:sldId id="275" r:id="rId21"/>
-    <p:sldId id="276" r:id="rId22"/>
-    <p:sldId id="277" r:id="rId23"/>
-    <p:sldId id="278" r:id="rId24"/>
+    <p:sldId id="279" r:id="rId15"/>
+    <p:sldId id="269" r:id="rId16"/>
+    <p:sldId id="270" r:id="rId17"/>
+    <p:sldId id="271" r:id="rId18"/>
+    <p:sldId id="272" r:id="rId19"/>
+    <p:sldId id="273" r:id="rId20"/>
+    <p:sldId id="274" r:id="rId21"/>
+    <p:sldId id="275" r:id="rId22"/>
+    <p:sldId id="276" r:id="rId23"/>
+    <p:sldId id="277" r:id="rId24"/>
+    <p:sldId id="278" r:id="rId25"/>
   </p:sldIdLst>
   <p:sldSz cx="9144000" cy="6858000" type="screen4x3"/>
   <p:notesSz cx="6858000" cy="9144000"/>
@@ -230,7 +231,7 @@
           <a:p>
             <a:fld id="{CC533514-0108-493D-8D53-C7B8E0779BDB}" type="datetimeFigureOut">
               <a:rPr lang="en-US" smtClean="0"/>
-              <a:t>4/11/2023</a:t>
+              <a:t>4/18/2023</a:t>
             </a:fld>
             <a:endParaRPr lang="en-US"/>
           </a:p>
@@ -1197,7 +1198,7 @@
             <a:fld id="{290372C1-F81F-40CF-BA68-460FF6C876BC}" type="datetimeFigureOut">
               <a:rPr lang="en-US" smtClean="0"/>
               <a:pPr/>
-              <a:t>4/11/2023</a:t>
+              <a:t>4/18/2023</a:t>
             </a:fld>
             <a:endParaRPr lang="en-US"/>
           </a:p>
@@ -1388,7 +1389,7 @@
             <a:fld id="{290372C1-F81F-40CF-BA68-460FF6C876BC}" type="datetimeFigureOut">
               <a:rPr lang="en-US" smtClean="0"/>
               <a:pPr/>
-              <a:t>4/11/2023</a:t>
+              <a:t>4/18/2023</a:t>
             </a:fld>
             <a:endParaRPr lang="en-US"/>
           </a:p>
@@ -1564,7 +1565,7 @@
             <a:fld id="{290372C1-F81F-40CF-BA68-460FF6C876BC}" type="datetimeFigureOut">
               <a:rPr lang="en-US" smtClean="0"/>
               <a:pPr/>
-              <a:t>4/11/2023</a:t>
+              <a:t>4/18/2023</a:t>
             </a:fld>
             <a:endParaRPr lang="en-US"/>
           </a:p>
@@ -1708,7 +1709,7 @@
             <a:fld id="{290372C1-F81F-40CF-BA68-460FF6C876BC}" type="datetimeFigureOut">
               <a:rPr lang="en-US" smtClean="0"/>
               <a:pPr/>
-              <a:t>4/11/2023</a:t>
+              <a:t>4/18/2023</a:t>
             </a:fld>
             <a:endParaRPr lang="en-US"/>
           </a:p>
@@ -1955,7 +1956,7 @@
             <a:fld id="{290372C1-F81F-40CF-BA68-460FF6C876BC}" type="datetimeFigureOut">
               <a:rPr lang="en-US" smtClean="0"/>
               <a:pPr/>
-              <a:t>4/11/2023</a:t>
+              <a:t>4/18/2023</a:t>
             </a:fld>
             <a:endParaRPr lang="en-US"/>
           </a:p>
@@ -2356,7 +2357,7 @@
             <a:fld id="{290372C1-F81F-40CF-BA68-460FF6C876BC}" type="datetimeFigureOut">
               <a:rPr lang="en-US" smtClean="0"/>
               <a:pPr/>
-              <a:t>4/11/2023</a:t>
+              <a:t>4/18/2023</a:t>
             </a:fld>
             <a:endParaRPr lang="en-US"/>
           </a:p>
@@ -2794,7 +2795,7 @@
             <a:fld id="{290372C1-F81F-40CF-BA68-460FF6C876BC}" type="datetimeFigureOut">
               <a:rPr lang="en-US" smtClean="0"/>
               <a:pPr/>
-              <a:t>4/11/2023</a:t>
+              <a:t>4/18/2023</a:t>
             </a:fld>
             <a:endParaRPr lang="en-US"/>
           </a:p>
@@ -2891,7 +2892,7 @@
             <a:fld id="{290372C1-F81F-40CF-BA68-460FF6C876BC}" type="datetimeFigureOut">
               <a:rPr lang="en-US" smtClean="0"/>
               <a:pPr/>
-              <a:t>4/11/2023</a:t>
+              <a:t>4/18/2023</a:t>
             </a:fld>
             <a:endParaRPr lang="en-US"/>
           </a:p>
@@ -3005,7 +3006,7 @@
             <a:fld id="{290372C1-F81F-40CF-BA68-460FF6C876BC}" type="datetimeFigureOut">
               <a:rPr lang="en-US" smtClean="0"/>
               <a:pPr/>
-              <a:t>4/11/2023</a:t>
+              <a:t>4/18/2023</a:t>
             </a:fld>
             <a:endParaRPr lang="en-US"/>
           </a:p>
@@ -3274,7 +3275,7 @@
             <a:fld id="{290372C1-F81F-40CF-BA68-460FF6C876BC}" type="datetimeFigureOut">
               <a:rPr lang="en-US" smtClean="0"/>
               <a:pPr/>
-              <a:t>4/11/2023</a:t>
+              <a:t>4/18/2023</a:t>
             </a:fld>
             <a:endParaRPr lang="en-US"/>
           </a:p>
@@ -3477,7 +3478,7 @@
             <a:fld id="{290372C1-F81F-40CF-BA68-460FF6C876BC}" type="datetimeFigureOut">
               <a:rPr lang="en-US" smtClean="0"/>
               <a:pPr/>
-              <a:t>4/11/2023</a:t>
+              <a:t>4/18/2023</a:t>
             </a:fld>
             <a:endParaRPr lang="en-US"/>
           </a:p>
@@ -4565,7 +4566,7 @@
             <a:fld id="{290372C1-F81F-40CF-BA68-460FF6C876BC}" type="datetimeFigureOut">
               <a:rPr lang="en-US" smtClean="0"/>
               <a:pPr/>
-              <a:t>4/11/2023</a:t>
+              <a:t>4/18/2023</a:t>
             </a:fld>
             <a:endParaRPr lang="en-US"/>
           </a:p>
@@ -6893,7 +6894,7 @@
               <a:rPr lang="en-US" sz="2800" dirty="0">
                 <a:latin typeface="Söhne"/>
               </a:rPr>
-              <a:t>e*x </a:t>
+              <a:t>e*d </a:t>
             </a:r>
             <a:r>
               <a:rPr lang="pt-BR" sz="2800" dirty="0">
@@ -7410,14 +7411,14 @@
           <p:nvPr>
             <p:extLst>
               <p:ext uri="{D42A27DB-BD31-4B8C-83A1-F6EECF244321}">
-                <p14:modId xmlns:p14="http://schemas.microsoft.com/office/powerpoint/2010/main" val="317761527"/>
+                <p14:modId xmlns:p14="http://schemas.microsoft.com/office/powerpoint/2010/main" val="1189832054"/>
               </p:ext>
             </p:extLst>
           </p:nvPr>
         </p:nvGraphicFramePr>
         <p:xfrm>
           <a:off x="914400" y="2057400"/>
-          <a:ext cx="7675443" cy="2514600"/>
+          <a:ext cx="7772399" cy="2514600"/>
         </p:xfrm>
         <a:graphic>
           <a:graphicData uri="http://schemas.openxmlformats.org/drawingml/2006/table">
@@ -7426,77 +7427,56 @@
                 <a:tableStyleId>{5C22544A-7EE6-4342-B048-85BDC9FD1C3A}</a:tableStyleId>
               </a:tblPr>
               <a:tblGrid>
-                <a:gridCol w="955993">
+                <a:gridCol w="1312876">
                   <a:extLst>
                     <a:ext uri="{9D8B030D-6E8A-4147-A177-3AD203B41FA5}">
                       <a16:colId xmlns:a16="http://schemas.microsoft.com/office/drawing/2014/main" val="3985014358"/>
                     </a:ext>
                   </a:extLst>
                 </a:gridCol>
-                <a:gridCol w="671945">
+                <a:gridCol w="922789">
                   <a:extLst>
                     <a:ext uri="{9D8B030D-6E8A-4147-A177-3AD203B41FA5}">
                       <a16:colId xmlns:a16="http://schemas.microsoft.com/office/drawing/2014/main" val="1595467583"/>
                     </a:ext>
                   </a:extLst>
                 </a:gridCol>
-                <a:gridCol w="671945">
+                <a:gridCol w="922789">
                   <a:extLst>
                     <a:ext uri="{9D8B030D-6E8A-4147-A177-3AD203B41FA5}">
                       <a16:colId xmlns:a16="http://schemas.microsoft.com/office/drawing/2014/main" val="361858376"/>
                     </a:ext>
                   </a:extLst>
                 </a:gridCol>
-                <a:gridCol w="671945">
+                <a:gridCol w="922789">
                   <a:extLst>
                     <a:ext uri="{9D8B030D-6E8A-4147-A177-3AD203B41FA5}">
                       <a16:colId xmlns:a16="http://schemas.microsoft.com/office/drawing/2014/main" val="1088099505"/>
                     </a:ext>
                   </a:extLst>
                 </a:gridCol>
-                <a:gridCol w="671945">
+                <a:gridCol w="922789">
                   <a:extLst>
                     <a:ext uri="{9D8B030D-6E8A-4147-A177-3AD203B41FA5}">
                       <a16:colId xmlns:a16="http://schemas.microsoft.com/office/drawing/2014/main" val="1801189757"/>
                     </a:ext>
                   </a:extLst>
                 </a:gridCol>
-                <a:gridCol w="671945">
-                  <a:extLst>
-                    <a:ext uri="{9D8B030D-6E8A-4147-A177-3AD203B41FA5}">
-                      <a16:colId xmlns:a16="http://schemas.microsoft.com/office/drawing/2014/main" val="3456117021"/>
-                    </a:ext>
-                  </a:extLst>
-                </a:gridCol>
-                <a:gridCol w="671945">
-                  <a:extLst>
-                    <a:ext uri="{9D8B030D-6E8A-4147-A177-3AD203B41FA5}">
-                      <a16:colId xmlns:a16="http://schemas.microsoft.com/office/drawing/2014/main" val="2703644033"/>
-                    </a:ext>
-                  </a:extLst>
-                </a:gridCol>
-                <a:gridCol w="671945">
-                  <a:extLst>
-                    <a:ext uri="{9D8B030D-6E8A-4147-A177-3AD203B41FA5}">
-                      <a16:colId xmlns:a16="http://schemas.microsoft.com/office/drawing/2014/main" val="1980203945"/>
-                    </a:ext>
-                  </a:extLst>
-                </a:gridCol>
-                <a:gridCol w="671945">
+                <a:gridCol w="922789">
                   <a:extLst>
                     <a:ext uri="{9D8B030D-6E8A-4147-A177-3AD203B41FA5}">
                       <a16:colId xmlns:a16="http://schemas.microsoft.com/office/drawing/2014/main" val="2070824574"/>
                     </a:ext>
                   </a:extLst>
                 </a:gridCol>
-                <a:gridCol w="671945">
+                <a:gridCol w="922789">
                   <a:extLst>
                     <a:ext uri="{9D8B030D-6E8A-4147-A177-3AD203B41FA5}">
                       <a16:colId xmlns:a16="http://schemas.microsoft.com/office/drawing/2014/main" val="389333516"/>
                     </a:ext>
                   </a:extLst>
                 </a:gridCol>
-                <a:gridCol w="671945">
+                <a:gridCol w="922789">
                   <a:extLst>
                     <a:ext uri="{9D8B030D-6E8A-4147-A177-3AD203B41FA5}">
                       <a16:colId xmlns:a16="http://schemas.microsoft.com/office/drawing/2014/main" val="3783240838"/>
@@ -7637,60 +7617,6 @@
                     <a:lstStyle/>
                     <a:p>
                       <a:r>
-                        <a:rPr lang="en-US" dirty="0"/>
-                        <a:t>x</a:t>
-                      </a:r>
-                      <a:r>
-                        <a:rPr lang="en-US" baseline="-25000" dirty="0"/>
-                        <a:t>i</a:t>
-                      </a:r>
-                      <a:endParaRPr lang="en-US" dirty="0"/>
-                    </a:p>
-                  </a:txBody>
-                  <a:tcPr/>
-                </a:tc>
-                <a:tc>
-                  <a:txBody>
-                    <a:bodyPr/>
-                    <a:lstStyle/>
-                    <a:p>
-                      <a:r>
-                        <a:rPr lang="en-US" dirty="0"/>
-                        <a:t>x</a:t>
-                      </a:r>
-                      <a:r>
-                        <a:rPr lang="en-US" baseline="-25000" dirty="0"/>
-                        <a:t>i+1</a:t>
-                      </a:r>
-                      <a:endParaRPr lang="en-US" dirty="0"/>
-                    </a:p>
-                  </a:txBody>
-                  <a:tcPr/>
-                </a:tc>
-                <a:tc>
-                  <a:txBody>
-                    <a:bodyPr/>
-                    <a:lstStyle/>
-                    <a:p>
-                      <a:r>
-                        <a:rPr lang="en-US" dirty="0"/>
-                        <a:t>x</a:t>
-                      </a:r>
-                      <a:r>
-                        <a:rPr lang="en-US" baseline="-25000" dirty="0"/>
-                        <a:t>i+2</a:t>
-                      </a:r>
-                      <a:endParaRPr lang="en-US" dirty="0"/>
-                    </a:p>
-                  </a:txBody>
-                  <a:tcPr/>
-                </a:tc>
-                <a:tc>
-                  <a:txBody>
-                    <a:bodyPr/>
-                    <a:lstStyle/>
-                    <a:p>
-                      <a:r>
                         <a:rPr lang="en-US" dirty="0" err="1"/>
                         <a:t>y</a:t>
                       </a:r>
@@ -7818,45 +7744,6 @@
                     <a:p>
                       <a:r>
                         <a:rPr lang="en-US" dirty="0"/>
-                        <a:t>1</a:t>
-                      </a:r>
-                    </a:p>
-                  </a:txBody>
-                  <a:tcPr/>
-                </a:tc>
-                <a:tc>
-                  <a:txBody>
-                    <a:bodyPr/>
-                    <a:lstStyle/>
-                    <a:p>
-                      <a:r>
-                        <a:rPr lang="en-US" dirty="0"/>
-                        <a:t>0</a:t>
-                      </a:r>
-                    </a:p>
-                  </a:txBody>
-                  <a:tcPr/>
-                </a:tc>
-                <a:tc>
-                  <a:txBody>
-                    <a:bodyPr/>
-                    <a:lstStyle/>
-                    <a:p>
-                      <a:r>
-                        <a:rPr lang="en-US" dirty="0"/>
-                        <a:t>1</a:t>
-                      </a:r>
-                    </a:p>
-                  </a:txBody>
-                  <a:tcPr/>
-                </a:tc>
-                <a:tc>
-                  <a:txBody>
-                    <a:bodyPr/>
-                    <a:lstStyle/>
-                    <a:p>
-                      <a:r>
-                        <a:rPr lang="en-US" dirty="0"/>
                         <a:t>0</a:t>
                       </a:r>
                     </a:p>
@@ -7968,45 +7855,6 @@
                     <a:p>
                       <a:r>
                         <a:rPr lang="en-US" dirty="0"/>
-                        <a:t>0</a:t>
-                      </a:r>
-                    </a:p>
-                  </a:txBody>
-                  <a:tcPr/>
-                </a:tc>
-                <a:tc>
-                  <a:txBody>
-                    <a:bodyPr/>
-                    <a:lstStyle/>
-                    <a:p>
-                      <a:r>
-                        <a:rPr lang="en-US" dirty="0"/>
-                        <a:t>1</a:t>
-                      </a:r>
-                    </a:p>
-                  </a:txBody>
-                  <a:tcPr/>
-                </a:tc>
-                <a:tc>
-                  <a:txBody>
-                    <a:bodyPr/>
-                    <a:lstStyle/>
-                    <a:p>
-                      <a:r>
-                        <a:rPr lang="en-US" dirty="0"/>
-                        <a:t>-1</a:t>
-                      </a:r>
-                    </a:p>
-                  </a:txBody>
-                  <a:tcPr/>
-                </a:tc>
-                <a:tc>
-                  <a:txBody>
-                    <a:bodyPr/>
-                    <a:lstStyle/>
-                    <a:p>
-                      <a:r>
-                        <a:rPr lang="en-US" dirty="0"/>
                         <a:t>1</a:t>
                       </a:r>
                     </a:p>
@@ -8032,7 +7880,7 @@
                     <a:lstStyle/>
                     <a:p>
                       <a:r>
-                        <a:rPr lang="en-US" dirty="0"/>
+                        <a:rPr lang="en-US" b="1" dirty="0"/>
                         <a:t>43</a:t>
                       </a:r>
                     </a:p>
@@ -8136,36 +7984,6 @@
                     <a:bodyPr/>
                     <a:lstStyle/>
                     <a:p>
-                      <a:endParaRPr lang="en-US" b="1" dirty="0"/>
-                    </a:p>
-                  </a:txBody>
-                  <a:tcPr/>
-                </a:tc>
-                <a:tc>
-                  <a:txBody>
-                    <a:bodyPr/>
-                    <a:lstStyle/>
-                    <a:p>
-                      <a:endParaRPr lang="en-US" dirty="0"/>
-                    </a:p>
-                  </a:txBody>
-                  <a:tcPr/>
-                </a:tc>
-                <a:tc>
-                  <a:txBody>
-                    <a:bodyPr/>
-                    <a:lstStyle/>
-                    <a:p>
-                      <a:endParaRPr lang="en-US" dirty="0"/>
-                    </a:p>
-                  </a:txBody>
-                  <a:tcPr/>
-                </a:tc>
-                <a:tc>
-                  <a:txBody>
-                    <a:bodyPr/>
-                    <a:lstStyle/>
-                    <a:p>
                       <a:endParaRPr lang="en-US" dirty="0"/>
                     </a:p>
                   </a:txBody>
@@ -8229,7 +8047,9 @@
         </p:nvSpPr>
         <p:spPr/>
         <p:txBody>
-          <a:bodyPr/>
+          <a:bodyPr>
+            <a:normAutofit/>
+          </a:bodyPr>
           <a:lstStyle/>
           <a:p>
             <a:r>
@@ -8335,167 +8155,140 @@
             </a:r>
             <a:r>
               <a:rPr lang="en-US" dirty="0"/>
-              <a:t> mod n = 23^7 mod 341= 122</a:t>
-            </a:r>
-          </a:p>
-          <a:p>
-            <a:r>
-              <a:rPr lang="en-US" dirty="0"/>
-              <a:t>Alice </a:t>
-            </a:r>
-            <a:r>
-              <a:rPr lang="en-US" dirty="0" err="1"/>
-              <a:t>nhận</a:t>
-            </a:r>
-            <a:r>
-              <a:rPr lang="en-US" dirty="0"/>
-              <a:t> </a:t>
-            </a:r>
-            <a:r>
-              <a:rPr lang="en-US" dirty="0" err="1"/>
-              <a:t>được</a:t>
-            </a:r>
-            <a:r>
-              <a:rPr lang="en-US" dirty="0"/>
-              <a:t> c = 2 </a:t>
-            </a:r>
-            <a:r>
-              <a:rPr lang="en-US" dirty="0" err="1"/>
-              <a:t>mà</a:t>
-            </a:r>
-            <a:r>
-              <a:rPr lang="en-US" dirty="0"/>
-              <a:t> Bob </a:t>
-            </a:r>
-            <a:r>
-              <a:rPr lang="en-US" dirty="0" err="1"/>
-              <a:t>đã</a:t>
-            </a:r>
-            <a:r>
-              <a:rPr lang="en-US" dirty="0"/>
-              <a:t> </a:t>
-            </a:r>
-            <a:r>
-              <a:rPr lang="en-US" dirty="0" err="1"/>
-              <a:t>gửi</a:t>
-            </a:r>
-            <a:r>
-              <a:rPr lang="en-US" dirty="0"/>
-              <a:t> </a:t>
-            </a:r>
-            <a:r>
-              <a:rPr lang="en-US" dirty="0" err="1"/>
-              <a:t>tới</a:t>
-            </a:r>
-            <a:r>
-              <a:rPr lang="en-US" dirty="0"/>
-              <a:t>, </a:t>
-            </a:r>
-            <a:r>
-              <a:rPr lang="en-US" dirty="0" err="1"/>
-              <a:t>sau</a:t>
-            </a:r>
-            <a:r>
-              <a:rPr lang="en-US" dirty="0"/>
-              <a:t> </a:t>
-            </a:r>
-            <a:r>
-              <a:rPr lang="en-US" dirty="0" err="1"/>
-              <a:t>đó</a:t>
-            </a:r>
-            <a:r>
-              <a:rPr lang="en-US" dirty="0"/>
-              <a:t> </a:t>
-            </a:r>
-            <a:r>
-              <a:rPr lang="en-US" dirty="0" err="1"/>
-              <a:t>tiến</a:t>
-            </a:r>
-            <a:r>
-              <a:rPr lang="en-US" dirty="0"/>
-              <a:t> </a:t>
-            </a:r>
-            <a:r>
-              <a:rPr lang="en-US" dirty="0" err="1"/>
-              <a:t>hành</a:t>
-            </a:r>
-            <a:r>
-              <a:rPr lang="en-US" dirty="0"/>
-              <a:t> </a:t>
-            </a:r>
-            <a:r>
-              <a:rPr lang="en-US" dirty="0" err="1"/>
-              <a:t>giải</a:t>
-            </a:r>
-            <a:r>
-              <a:rPr lang="en-US" dirty="0"/>
-              <a:t> </a:t>
-            </a:r>
-            <a:r>
-              <a:rPr lang="en-US" dirty="0" err="1"/>
-              <a:t>mã</a:t>
-            </a:r>
-            <a:r>
-              <a:rPr lang="en-US" dirty="0"/>
-              <a:t> </a:t>
-            </a:r>
-            <a:r>
-              <a:rPr lang="en-US" dirty="0" err="1"/>
-              <a:t>để</a:t>
-            </a:r>
-            <a:r>
-              <a:rPr lang="en-US" dirty="0"/>
-              <a:t> </a:t>
-            </a:r>
-            <a:r>
-              <a:rPr lang="en-US" dirty="0" err="1"/>
-              <a:t>xem</a:t>
-            </a:r>
-            <a:r>
-              <a:rPr lang="en-US" dirty="0"/>
-              <a:t> </a:t>
-            </a:r>
-            <a:r>
-              <a:rPr lang="en-US" dirty="0" err="1"/>
-              <a:t>được</a:t>
-            </a:r>
-            <a:r>
-              <a:rPr lang="en-US" dirty="0"/>
-              <a:t> </a:t>
-            </a:r>
-            <a:r>
-              <a:rPr lang="en-US" dirty="0" err="1"/>
-              <a:t>thông</a:t>
-            </a:r>
-            <a:r>
-              <a:rPr lang="en-US" dirty="0"/>
-              <a:t> </a:t>
-            </a:r>
-            <a:r>
-              <a:rPr lang="en-US" dirty="0" err="1"/>
-              <a:t>điệp</a:t>
-            </a:r>
-            <a:r>
-              <a:rPr lang="en-US" dirty="0"/>
-              <a:t> m</a:t>
-            </a:r>
-          </a:p>
-          <a:p>
-            <a:pPr marL="109728" indent="0" algn="ctr">
+              <a:t> mod n = 23^7 mod 341</a:t>
+            </a:r>
+          </a:p>
+          <a:p>
+            <a:pPr lvl="1"/>
+            <a:r>
+              <a:rPr lang="en-US" dirty="0" err="1"/>
+              <a:t>Áp</a:t>
+            </a:r>
+            <a:r>
+              <a:rPr lang="en-US" dirty="0"/>
+              <a:t> </a:t>
+            </a:r>
+            <a:r>
+              <a:rPr lang="en-US" dirty="0" err="1"/>
+              <a:t>dụng</a:t>
+            </a:r>
+            <a:r>
+              <a:rPr lang="en-US" dirty="0"/>
+              <a:t> </a:t>
+            </a:r>
+            <a:r>
+              <a:rPr lang="en-US" dirty="0" err="1"/>
+              <a:t>thuật</a:t>
+            </a:r>
+            <a:r>
+              <a:rPr lang="en-US" dirty="0"/>
+              <a:t> </a:t>
+            </a:r>
+            <a:r>
+              <a:rPr lang="en-US" dirty="0" err="1"/>
+              <a:t>toán</a:t>
+            </a:r>
+            <a:r>
+              <a:rPr lang="en-US" dirty="0"/>
+              <a:t> </a:t>
+            </a:r>
+            <a:r>
+              <a:rPr lang="en-US" dirty="0" err="1"/>
+              <a:t>bình</a:t>
+            </a:r>
+            <a:r>
+              <a:rPr lang="en-US" dirty="0"/>
+              <a:t> </a:t>
+            </a:r>
+            <a:r>
+              <a:rPr lang="en-US" dirty="0" err="1"/>
+              <a:t>phương</a:t>
+            </a:r>
+            <a:r>
+              <a:rPr lang="en-US" dirty="0"/>
+              <a:t> </a:t>
+            </a:r>
+            <a:r>
+              <a:rPr lang="en-US" dirty="0" err="1"/>
+              <a:t>và</a:t>
+            </a:r>
+            <a:r>
+              <a:rPr lang="en-US" dirty="0"/>
+              <a:t> </a:t>
+            </a:r>
+            <a:r>
+              <a:rPr lang="en-US" dirty="0" err="1"/>
+              <a:t>nhân</a:t>
+            </a:r>
+            <a:r>
+              <a:rPr lang="en-US" dirty="0"/>
+              <a:t> ta </a:t>
+            </a:r>
+            <a:r>
+              <a:rPr lang="en-US" dirty="0" err="1"/>
+              <a:t>có</a:t>
+            </a:r>
+            <a:r>
+              <a:rPr lang="en-US" dirty="0"/>
+              <a:t>:</a:t>
+            </a:r>
+          </a:p>
+          <a:p>
+            <a:pPr marL="393192" lvl="1" indent="0">
               <a:buNone/>
             </a:pPr>
             <a:r>
               <a:rPr lang="en-US" dirty="0"/>
-              <a:t>m = </a:t>
-            </a:r>
-            <a:r>
-              <a:rPr lang="en-US" dirty="0" err="1"/>
-              <a:t>c^d</a:t>
-            </a:r>
-            <a:r>
-              <a:rPr lang="en-US" dirty="0"/>
-              <a:t> mod n = 122^43 mod 341 = 23</a:t>
-            </a:r>
+              <a:t>	7 = 111</a:t>
+            </a:r>
+            <a:r>
+              <a:rPr lang="en-US" baseline="-25000" dirty="0"/>
+              <a:t>2</a:t>
+            </a:r>
+            <a:endParaRPr lang="en-US" dirty="0"/>
+          </a:p>
+          <a:p>
+            <a:pPr lvl="1"/>
+            <a:endParaRPr lang="en-US" dirty="0"/>
+          </a:p>
+          <a:p>
+            <a:pPr lvl="1"/>
+            <a:endParaRPr lang="en-US" dirty="0"/>
+          </a:p>
+          <a:p>
+            <a:pPr marL="393192" lvl="1" indent="0">
+              <a:buNone/>
+            </a:pPr>
+            <a:endParaRPr lang="en-US" dirty="0"/>
+          </a:p>
+          <a:p>
+            <a:pPr marL="393192" lvl="1" indent="0">
+              <a:buNone/>
+            </a:pPr>
+            <a:endParaRPr lang="en-US" dirty="0"/>
+          </a:p>
+          <a:p>
+            <a:pPr marL="393192" lvl="1" indent="0">
+              <a:buNone/>
+            </a:pPr>
+            <a:endParaRPr lang="en-US" dirty="0"/>
+          </a:p>
+          <a:p>
+            <a:pPr marL="393192" lvl="1" indent="0">
+              <a:buNone/>
+            </a:pPr>
+            <a:r>
+              <a:rPr lang="en-US" dirty="0" err="1"/>
+              <a:t>Vậy</a:t>
+            </a:r>
+            <a:r>
+              <a:rPr lang="en-US" dirty="0"/>
+              <a:t> c = 122</a:t>
+            </a:r>
+          </a:p>
+          <a:p>
+            <a:pPr lvl="1"/>
+            <a:endParaRPr lang="en-US" dirty="0"/>
           </a:p>
           <a:p>
             <a:endParaRPr lang="en-US" dirty="0"/>
@@ -8648,6 +8441,899 @@
           </a:p>
         </p:txBody>
       </p:sp>
+      <mc:AlternateContent xmlns:mc="http://schemas.openxmlformats.org/markup-compatibility/2006" xmlns:a14="http://schemas.microsoft.com/office/drawing/2010/main">
+        <mc:Choice Requires="a14">
+          <p:graphicFrame>
+            <p:nvGraphicFramePr>
+              <p:cNvPr id="6" name="Table 6">
+                <a:extLst>
+                  <a:ext uri="{FF2B5EF4-FFF2-40B4-BE49-F238E27FC236}">
+                    <a16:creationId xmlns:a16="http://schemas.microsoft.com/office/drawing/2014/main" id="{A30DB054-4220-0027-09F6-43533057D50A}"/>
+                  </a:ext>
+                </a:extLst>
+              </p:cNvPr>
+              <p:cNvGraphicFramePr>
+                <a:graphicFrameLocks noGrp="1"/>
+              </p:cNvGraphicFramePr>
+              <p:nvPr>
+                <p:extLst>
+                  <p:ext uri="{D42A27DB-BD31-4B8C-83A1-F6EECF244321}">
+                    <p14:modId xmlns:p14="http://schemas.microsoft.com/office/powerpoint/2010/main" val="318762540"/>
+                  </p:ext>
+                </p:extLst>
+              </p:nvPr>
+            </p:nvGraphicFramePr>
+            <p:xfrm>
+              <a:off x="723899" y="3659049"/>
+              <a:ext cx="7696201" cy="1752600"/>
+            </p:xfrm>
+            <a:graphic>
+              <a:graphicData uri="http://schemas.openxmlformats.org/drawingml/2006/table">
+                <a:tbl>
+                  <a:tblPr firstRow="1" bandRow="1">
+                    <a:tableStyleId>{5C22544A-7EE6-4342-B048-85BDC9FD1C3A}</a:tableStyleId>
+                  </a:tblPr>
+                  <a:tblGrid>
+                    <a:gridCol w="1493520">
+                      <a:extLst>
+                        <a:ext uri="{9D8B030D-6E8A-4147-A177-3AD203B41FA5}">
+                          <a16:colId xmlns:a16="http://schemas.microsoft.com/office/drawing/2014/main" val="1833954212"/>
+                        </a:ext>
+                      </a:extLst>
+                    </a:gridCol>
+                    <a:gridCol w="1400176">
+                      <a:extLst>
+                        <a:ext uri="{9D8B030D-6E8A-4147-A177-3AD203B41FA5}">
+                          <a16:colId xmlns:a16="http://schemas.microsoft.com/office/drawing/2014/main" val="2016963184"/>
+                        </a:ext>
+                      </a:extLst>
+                    </a:gridCol>
+                    <a:gridCol w="1983104">
+                      <a:extLst>
+                        <a:ext uri="{9D8B030D-6E8A-4147-A177-3AD203B41FA5}">
+                          <a16:colId xmlns:a16="http://schemas.microsoft.com/office/drawing/2014/main" val="2672387922"/>
+                        </a:ext>
+                      </a:extLst>
+                    </a:gridCol>
+                    <a:gridCol w="1097281">
+                      <a:extLst>
+                        <a:ext uri="{9D8B030D-6E8A-4147-A177-3AD203B41FA5}">
+                          <a16:colId xmlns:a16="http://schemas.microsoft.com/office/drawing/2014/main" val="3996040010"/>
+                        </a:ext>
+                      </a:extLst>
+                    </a:gridCol>
+                    <a:gridCol w="1722120">
+                      <a:extLst>
+                        <a:ext uri="{9D8B030D-6E8A-4147-A177-3AD203B41FA5}">
+                          <a16:colId xmlns:a16="http://schemas.microsoft.com/office/drawing/2014/main" val="1234339931"/>
+                        </a:ext>
+                      </a:extLst>
+                    </a:gridCol>
+                  </a:tblGrid>
+                  <a:tr h="0">
+                    <a:tc>
+                      <a:txBody>
+                        <a:bodyPr/>
+                        <a:lstStyle/>
+                        <a:p>
+                          <a:pPr marL="0" marR="0" lvl="0" indent="0" algn="ctr" defTabSz="914400" rtl="0" eaLnBrk="1" fontAlgn="auto" latinLnBrk="0" hangingPunct="1">
+                            <a:lnSpc>
+                              <a:spcPct val="100000"/>
+                            </a:lnSpc>
+                            <a:spcBef>
+                              <a:spcPts val="0"/>
+                            </a:spcBef>
+                            <a:spcAft>
+                              <a:spcPts val="0"/>
+                            </a:spcAft>
+                            <a:buClrTx/>
+                            <a:buSzTx/>
+                            <a:buFontTx/>
+                            <a:buNone/>
+                            <a:tabLst/>
+                            <a:defRPr/>
+                          </a:pPr>
+                          <a:r>
+                            <a:rPr lang="en-US" dirty="0"/>
+                            <a:t>b[</a:t>
+                          </a:r>
+                          <a:r>
+                            <a:rPr lang="en-US" dirty="0" err="1"/>
+                            <a:t>i</a:t>
+                          </a:r>
+                          <a:r>
+                            <a:rPr lang="en-US" dirty="0"/>
+                            <a:t>]</a:t>
+                          </a:r>
+                        </a:p>
+                        <a:p>
+                          <a:pPr algn="ctr"/>
+                          <a:endParaRPr lang="en-US" dirty="0"/>
+                        </a:p>
+                      </a:txBody>
+                      <a:tcPr/>
+                    </a:tc>
+                    <a:tc>
+                      <a:txBody>
+                        <a:bodyPr/>
+                        <a:lstStyle/>
+                        <a:p>
+                          <a:pPr algn="ctr"/>
+                          <a:r>
+                            <a:rPr lang="en-US" dirty="0"/>
+                            <a:t>p = </a:t>
+                          </a:r>
+                          <a14:m>
+                            <m:oMath xmlns:m="http://schemas.openxmlformats.org/officeDocument/2006/math">
+                              <m:sSup>
+                                <m:sSupPr>
+                                  <m:ctrlPr>
+                                    <a:rPr lang="en-US" i="1" smtClean="0">
+                                      <a:latin typeface="Cambria Math" panose="02040503050406030204" pitchFamily="18" charset="0"/>
+                                    </a:rPr>
+                                  </m:ctrlPr>
+                                </m:sSupPr>
+                                <m:e>
+                                  <m:r>
+                                    <a:rPr lang="en-US" b="1" i="1" smtClean="0">
+                                      <a:latin typeface="Cambria Math" panose="02040503050406030204" pitchFamily="18" charset="0"/>
+                                    </a:rPr>
+                                    <m:t>𝒑</m:t>
+                                  </m:r>
+                                </m:e>
+                                <m:sup>
+                                  <m:r>
+                                    <a:rPr lang="en-US" b="1" i="1" smtClean="0">
+                                      <a:latin typeface="Cambria Math" panose="02040503050406030204" pitchFamily="18" charset="0"/>
+                                    </a:rPr>
+                                    <m:t>𝟐</m:t>
+                                  </m:r>
+                                </m:sup>
+                              </m:sSup>
+                            </m:oMath>
+                          </a14:m>
+                          <a:endParaRPr lang="en-US" dirty="0"/>
+                        </a:p>
+                      </a:txBody>
+                      <a:tcPr/>
+                    </a:tc>
+                    <a:tc>
+                      <a:txBody>
+                        <a:bodyPr/>
+                        <a:lstStyle/>
+                        <a:p>
+                          <a:pPr marL="0" marR="0" lvl="0" indent="0" algn="ctr" defTabSz="914400" rtl="0" eaLnBrk="1" fontAlgn="auto" latinLnBrk="0" hangingPunct="1">
+                            <a:lnSpc>
+                              <a:spcPct val="100000"/>
+                            </a:lnSpc>
+                            <a:spcBef>
+                              <a:spcPts val="0"/>
+                            </a:spcBef>
+                            <a:spcAft>
+                              <a:spcPts val="0"/>
+                            </a:spcAft>
+                            <a:buClrTx/>
+                            <a:buSzTx/>
+                            <a:buFontTx/>
+                            <a:buNone/>
+                            <a:tabLst/>
+                            <a:defRPr/>
+                          </a:pPr>
+                          <a:r>
+                            <a:rPr lang="en-US" dirty="0"/>
+                            <a:t>p = p mod 341</a:t>
+                          </a:r>
+                        </a:p>
+                        <a:p>
+                          <a:pPr algn="ctr"/>
+                          <a:endParaRPr lang="en-US" dirty="0"/>
+                        </a:p>
+                      </a:txBody>
+                      <a:tcPr/>
+                    </a:tc>
+                    <a:tc>
+                      <a:txBody>
+                        <a:bodyPr/>
+                        <a:lstStyle/>
+                        <a:p>
+                          <a:pPr algn="ctr"/>
+                          <a:r>
+                            <a:rPr lang="en-US" dirty="0"/>
+                            <a:t>p*23</a:t>
+                          </a:r>
+                        </a:p>
+                      </a:txBody>
+                      <a:tcPr/>
+                    </a:tc>
+                    <a:tc>
+                      <a:txBody>
+                        <a:bodyPr/>
+                        <a:lstStyle/>
+                        <a:p>
+                          <a:pPr algn="ctr"/>
+                          <a:r>
+                            <a:rPr lang="en-US" dirty="0"/>
+                            <a:t>p = mod 341</a:t>
+                          </a:r>
+                        </a:p>
+                      </a:txBody>
+                      <a:tcPr/>
+                    </a:tc>
+                    <a:extLst>
+                      <a:ext uri="{0D108BD9-81ED-4DB2-BD59-A6C34878D82A}">
+                        <a16:rowId xmlns:a16="http://schemas.microsoft.com/office/drawing/2014/main" val="1934079234"/>
+                      </a:ext>
+                    </a:extLst>
+                  </a:tr>
+                  <a:tr h="370840">
+                    <a:tc>
+                      <a:txBody>
+                        <a:bodyPr/>
+                        <a:lstStyle/>
+                        <a:p>
+                          <a:pPr algn="ctr"/>
+                          <a:r>
+                            <a:rPr lang="en-US" dirty="0"/>
+                            <a:t>1</a:t>
+                          </a:r>
+                        </a:p>
+                      </a:txBody>
+                      <a:tcPr/>
+                    </a:tc>
+                    <a:tc>
+                      <a:txBody>
+                        <a:bodyPr/>
+                        <a:lstStyle/>
+                        <a:p>
+                          <a:pPr algn="ctr"/>
+                          <a:r>
+                            <a:rPr lang="en-US" dirty="0"/>
+                            <a:t>1</a:t>
+                          </a:r>
+                        </a:p>
+                      </a:txBody>
+                      <a:tcPr/>
+                    </a:tc>
+                    <a:tc>
+                      <a:txBody>
+                        <a:bodyPr/>
+                        <a:lstStyle/>
+                        <a:p>
+                          <a:pPr algn="ctr"/>
+                          <a:r>
+                            <a:rPr lang="en-US" dirty="0"/>
+                            <a:t>1</a:t>
+                          </a:r>
+                        </a:p>
+                      </a:txBody>
+                      <a:tcPr/>
+                    </a:tc>
+                    <a:tc>
+                      <a:txBody>
+                        <a:bodyPr/>
+                        <a:lstStyle/>
+                        <a:p>
+                          <a:pPr algn="ctr"/>
+                          <a:r>
+                            <a:rPr lang="en-US" dirty="0"/>
+                            <a:t>23</a:t>
+                          </a:r>
+                        </a:p>
+                      </a:txBody>
+                      <a:tcPr/>
+                    </a:tc>
+                    <a:tc>
+                      <a:txBody>
+                        <a:bodyPr/>
+                        <a:lstStyle/>
+                        <a:p>
+                          <a:pPr algn="ctr"/>
+                          <a:r>
+                            <a:rPr lang="en-US" dirty="0"/>
+                            <a:t>23</a:t>
+                          </a:r>
+                        </a:p>
+                      </a:txBody>
+                      <a:tcPr/>
+                    </a:tc>
+                    <a:extLst>
+                      <a:ext uri="{0D108BD9-81ED-4DB2-BD59-A6C34878D82A}">
+                        <a16:rowId xmlns:a16="http://schemas.microsoft.com/office/drawing/2014/main" val="2063475621"/>
+                      </a:ext>
+                    </a:extLst>
+                  </a:tr>
+                  <a:tr h="370840">
+                    <a:tc>
+                      <a:txBody>
+                        <a:bodyPr/>
+                        <a:lstStyle/>
+                        <a:p>
+                          <a:pPr algn="ctr"/>
+                          <a:r>
+                            <a:rPr lang="en-US" dirty="0"/>
+                            <a:t>1</a:t>
+                          </a:r>
+                        </a:p>
+                      </a:txBody>
+                      <a:tcPr/>
+                    </a:tc>
+                    <a:tc>
+                      <a:txBody>
+                        <a:bodyPr/>
+                        <a:lstStyle/>
+                        <a:p>
+                          <a:pPr algn="ctr"/>
+                          <a:r>
+                            <a:rPr lang="en-US" dirty="0"/>
+                            <a:t>529</a:t>
+                          </a:r>
+                        </a:p>
+                      </a:txBody>
+                      <a:tcPr/>
+                    </a:tc>
+                    <a:tc>
+                      <a:txBody>
+                        <a:bodyPr/>
+                        <a:lstStyle/>
+                        <a:p>
+                          <a:pPr algn="ctr"/>
+                          <a:r>
+                            <a:rPr lang="en-US" dirty="0"/>
+                            <a:t>188</a:t>
+                          </a:r>
+                        </a:p>
+                      </a:txBody>
+                      <a:tcPr/>
+                    </a:tc>
+                    <a:tc>
+                      <a:txBody>
+                        <a:bodyPr/>
+                        <a:lstStyle/>
+                        <a:p>
+                          <a:pPr algn="ctr"/>
+                          <a:r>
+                            <a:rPr lang="en-US" dirty="0"/>
+                            <a:t>4324</a:t>
+                          </a:r>
+                        </a:p>
+                      </a:txBody>
+                      <a:tcPr/>
+                    </a:tc>
+                    <a:tc>
+                      <a:txBody>
+                        <a:bodyPr/>
+                        <a:lstStyle/>
+                        <a:p>
+                          <a:pPr algn="ctr"/>
+                          <a:r>
+                            <a:rPr lang="en-US" dirty="0"/>
+                            <a:t>232</a:t>
+                          </a:r>
+                        </a:p>
+                      </a:txBody>
+                      <a:tcPr/>
+                    </a:tc>
+                    <a:extLst>
+                      <a:ext uri="{0D108BD9-81ED-4DB2-BD59-A6C34878D82A}">
+                        <a16:rowId xmlns:a16="http://schemas.microsoft.com/office/drawing/2014/main" val="4157946372"/>
+                      </a:ext>
+                    </a:extLst>
+                  </a:tr>
+                  <a:tr h="370840">
+                    <a:tc>
+                      <a:txBody>
+                        <a:bodyPr/>
+                        <a:lstStyle/>
+                        <a:p>
+                          <a:pPr algn="ctr"/>
+                          <a:r>
+                            <a:rPr lang="en-US" dirty="0"/>
+                            <a:t>1</a:t>
+                          </a:r>
+                        </a:p>
+                      </a:txBody>
+                      <a:tcPr/>
+                    </a:tc>
+                    <a:tc>
+                      <a:txBody>
+                        <a:bodyPr/>
+                        <a:lstStyle/>
+                        <a:p>
+                          <a:pPr algn="ctr"/>
+                          <a:r>
+                            <a:rPr lang="en-US" dirty="0"/>
+                            <a:t>53824</a:t>
+                          </a:r>
+                        </a:p>
+                      </a:txBody>
+                      <a:tcPr/>
+                    </a:tc>
+                    <a:tc>
+                      <a:txBody>
+                        <a:bodyPr/>
+                        <a:lstStyle/>
+                        <a:p>
+                          <a:pPr algn="ctr"/>
+                          <a:r>
+                            <a:rPr lang="en-US" dirty="0"/>
+                            <a:t>287</a:t>
+                          </a:r>
+                        </a:p>
+                      </a:txBody>
+                      <a:tcPr/>
+                    </a:tc>
+                    <a:tc>
+                      <a:txBody>
+                        <a:bodyPr/>
+                        <a:lstStyle/>
+                        <a:p>
+                          <a:pPr algn="ctr"/>
+                          <a:r>
+                            <a:rPr lang="en-US" dirty="0"/>
+                            <a:t>6601</a:t>
+                          </a:r>
+                        </a:p>
+                      </a:txBody>
+                      <a:tcPr/>
+                    </a:tc>
+                    <a:tc>
+                      <a:txBody>
+                        <a:bodyPr/>
+                        <a:lstStyle/>
+                        <a:p>
+                          <a:pPr algn="ctr"/>
+                          <a:r>
+                            <a:rPr lang="en-US" dirty="0"/>
+                            <a:t>122</a:t>
+                          </a:r>
+                        </a:p>
+                      </a:txBody>
+                      <a:tcPr/>
+                    </a:tc>
+                    <a:extLst>
+                      <a:ext uri="{0D108BD9-81ED-4DB2-BD59-A6C34878D82A}">
+                        <a16:rowId xmlns:a16="http://schemas.microsoft.com/office/drawing/2014/main" val="335494242"/>
+                      </a:ext>
+                    </a:extLst>
+                  </a:tr>
+                </a:tbl>
+              </a:graphicData>
+            </a:graphic>
+          </p:graphicFrame>
+        </mc:Choice>
+        <mc:Fallback xmlns="">
+          <p:graphicFrame>
+            <p:nvGraphicFramePr>
+              <p:cNvPr id="6" name="Table 6">
+                <a:extLst>
+                  <a:ext uri="{FF2B5EF4-FFF2-40B4-BE49-F238E27FC236}">
+                    <a16:creationId xmlns:a16="http://schemas.microsoft.com/office/drawing/2014/main" id="{A30DB054-4220-0027-09F6-43533057D50A}"/>
+                  </a:ext>
+                </a:extLst>
+              </p:cNvPr>
+              <p:cNvGraphicFramePr>
+                <a:graphicFrameLocks noGrp="1"/>
+              </p:cNvGraphicFramePr>
+              <p:nvPr>
+                <p:extLst>
+                  <p:ext uri="{D42A27DB-BD31-4B8C-83A1-F6EECF244321}">
+                    <p14:modId xmlns:p14="http://schemas.microsoft.com/office/powerpoint/2010/main" val="318762540"/>
+                  </p:ext>
+                </p:extLst>
+              </p:nvPr>
+            </p:nvGraphicFramePr>
+            <p:xfrm>
+              <a:off x="723899" y="3659049"/>
+              <a:ext cx="7696201" cy="1752600"/>
+            </p:xfrm>
+            <a:graphic>
+              <a:graphicData uri="http://schemas.openxmlformats.org/drawingml/2006/table">
+                <a:tbl>
+                  <a:tblPr firstRow="1" bandRow="1">
+                    <a:tableStyleId>{5C22544A-7EE6-4342-B048-85BDC9FD1C3A}</a:tableStyleId>
+                  </a:tblPr>
+                  <a:tblGrid>
+                    <a:gridCol w="1493520">
+                      <a:extLst>
+                        <a:ext uri="{9D8B030D-6E8A-4147-A177-3AD203B41FA5}">
+                          <a16:colId xmlns:a16="http://schemas.microsoft.com/office/drawing/2014/main" val="1833954212"/>
+                        </a:ext>
+                      </a:extLst>
+                    </a:gridCol>
+                    <a:gridCol w="1400176">
+                      <a:extLst>
+                        <a:ext uri="{9D8B030D-6E8A-4147-A177-3AD203B41FA5}">
+                          <a16:colId xmlns:a16="http://schemas.microsoft.com/office/drawing/2014/main" val="2016963184"/>
+                        </a:ext>
+                      </a:extLst>
+                    </a:gridCol>
+                    <a:gridCol w="1983104">
+                      <a:extLst>
+                        <a:ext uri="{9D8B030D-6E8A-4147-A177-3AD203B41FA5}">
+                          <a16:colId xmlns:a16="http://schemas.microsoft.com/office/drawing/2014/main" val="2672387922"/>
+                        </a:ext>
+                      </a:extLst>
+                    </a:gridCol>
+                    <a:gridCol w="1097281">
+                      <a:extLst>
+                        <a:ext uri="{9D8B030D-6E8A-4147-A177-3AD203B41FA5}">
+                          <a16:colId xmlns:a16="http://schemas.microsoft.com/office/drawing/2014/main" val="3996040010"/>
+                        </a:ext>
+                      </a:extLst>
+                    </a:gridCol>
+                    <a:gridCol w="1722120">
+                      <a:extLst>
+                        <a:ext uri="{9D8B030D-6E8A-4147-A177-3AD203B41FA5}">
+                          <a16:colId xmlns:a16="http://schemas.microsoft.com/office/drawing/2014/main" val="1234339931"/>
+                        </a:ext>
+                      </a:extLst>
+                    </a:gridCol>
+                  </a:tblGrid>
+                  <a:tr h="640080">
+                    <a:tc>
+                      <a:txBody>
+                        <a:bodyPr/>
+                        <a:lstStyle/>
+                        <a:p>
+                          <a:pPr marL="0" marR="0" lvl="0" indent="0" algn="ctr" defTabSz="914400" rtl="0" eaLnBrk="1" fontAlgn="auto" latinLnBrk="0" hangingPunct="1">
+                            <a:lnSpc>
+                              <a:spcPct val="100000"/>
+                            </a:lnSpc>
+                            <a:spcBef>
+                              <a:spcPts val="0"/>
+                            </a:spcBef>
+                            <a:spcAft>
+                              <a:spcPts val="0"/>
+                            </a:spcAft>
+                            <a:buClrTx/>
+                            <a:buSzTx/>
+                            <a:buFontTx/>
+                            <a:buNone/>
+                            <a:tabLst/>
+                            <a:defRPr/>
+                          </a:pPr>
+                          <a:r>
+                            <a:rPr lang="en-US" dirty="0"/>
+                            <a:t>b[</a:t>
+                          </a:r>
+                          <a:r>
+                            <a:rPr lang="en-US" dirty="0" err="1"/>
+                            <a:t>i</a:t>
+                          </a:r>
+                          <a:r>
+                            <a:rPr lang="en-US" dirty="0"/>
+                            <a:t>]</a:t>
+                          </a:r>
+                        </a:p>
+                        <a:p>
+                          <a:pPr algn="ctr"/>
+                          <a:endParaRPr lang="en-US" dirty="0"/>
+                        </a:p>
+                      </a:txBody>
+                      <a:tcPr/>
+                    </a:tc>
+                    <a:tc>
+                      <a:txBody>
+                        <a:bodyPr/>
+                        <a:lstStyle/>
+                        <a:p>
+                          <a:endParaRPr lang="en-US"/>
+                        </a:p>
+                      </a:txBody>
+                      <a:tcPr>
+                        <a:blipFill>
+                          <a:blip r:embed="rId2"/>
+                          <a:stretch>
+                            <a:fillRect l="-106957" t="-4762" r="-344783" b="-188571"/>
+                          </a:stretch>
+                        </a:blipFill>
+                      </a:tcPr>
+                    </a:tc>
+                    <a:tc>
+                      <a:txBody>
+                        <a:bodyPr/>
+                        <a:lstStyle/>
+                        <a:p>
+                          <a:pPr marL="0" marR="0" lvl="0" indent="0" algn="ctr" defTabSz="914400" rtl="0" eaLnBrk="1" fontAlgn="auto" latinLnBrk="0" hangingPunct="1">
+                            <a:lnSpc>
+                              <a:spcPct val="100000"/>
+                            </a:lnSpc>
+                            <a:spcBef>
+                              <a:spcPts val="0"/>
+                            </a:spcBef>
+                            <a:spcAft>
+                              <a:spcPts val="0"/>
+                            </a:spcAft>
+                            <a:buClrTx/>
+                            <a:buSzTx/>
+                            <a:buFontTx/>
+                            <a:buNone/>
+                            <a:tabLst/>
+                            <a:defRPr/>
+                          </a:pPr>
+                          <a:r>
+                            <a:rPr lang="en-US" dirty="0"/>
+                            <a:t>p = p mod 341</a:t>
+                          </a:r>
+                        </a:p>
+                        <a:p>
+                          <a:pPr algn="ctr"/>
+                          <a:endParaRPr lang="en-US" dirty="0"/>
+                        </a:p>
+                      </a:txBody>
+                      <a:tcPr/>
+                    </a:tc>
+                    <a:tc>
+                      <a:txBody>
+                        <a:bodyPr/>
+                        <a:lstStyle/>
+                        <a:p>
+                          <a:pPr algn="ctr"/>
+                          <a:r>
+                            <a:rPr lang="en-US" dirty="0"/>
+                            <a:t>p*23</a:t>
+                          </a:r>
+                        </a:p>
+                      </a:txBody>
+                      <a:tcPr/>
+                    </a:tc>
+                    <a:tc>
+                      <a:txBody>
+                        <a:bodyPr/>
+                        <a:lstStyle/>
+                        <a:p>
+                          <a:pPr algn="ctr"/>
+                          <a:r>
+                            <a:rPr lang="en-US" dirty="0"/>
+                            <a:t>p = mod 341</a:t>
+                          </a:r>
+                        </a:p>
+                      </a:txBody>
+                      <a:tcPr/>
+                    </a:tc>
+                    <a:extLst>
+                      <a:ext uri="{0D108BD9-81ED-4DB2-BD59-A6C34878D82A}">
+                        <a16:rowId xmlns:a16="http://schemas.microsoft.com/office/drawing/2014/main" val="1934079234"/>
+                      </a:ext>
+                    </a:extLst>
+                  </a:tr>
+                  <a:tr h="370840">
+                    <a:tc>
+                      <a:txBody>
+                        <a:bodyPr/>
+                        <a:lstStyle/>
+                        <a:p>
+                          <a:pPr algn="ctr"/>
+                          <a:r>
+                            <a:rPr lang="en-US" dirty="0"/>
+                            <a:t>1</a:t>
+                          </a:r>
+                        </a:p>
+                      </a:txBody>
+                      <a:tcPr/>
+                    </a:tc>
+                    <a:tc>
+                      <a:txBody>
+                        <a:bodyPr/>
+                        <a:lstStyle/>
+                        <a:p>
+                          <a:pPr algn="ctr"/>
+                          <a:r>
+                            <a:rPr lang="en-US" dirty="0"/>
+                            <a:t>1</a:t>
+                          </a:r>
+                        </a:p>
+                      </a:txBody>
+                      <a:tcPr/>
+                    </a:tc>
+                    <a:tc>
+                      <a:txBody>
+                        <a:bodyPr/>
+                        <a:lstStyle/>
+                        <a:p>
+                          <a:pPr algn="ctr"/>
+                          <a:r>
+                            <a:rPr lang="en-US" dirty="0"/>
+                            <a:t>1</a:t>
+                          </a:r>
+                        </a:p>
+                      </a:txBody>
+                      <a:tcPr/>
+                    </a:tc>
+                    <a:tc>
+                      <a:txBody>
+                        <a:bodyPr/>
+                        <a:lstStyle/>
+                        <a:p>
+                          <a:pPr algn="ctr"/>
+                          <a:r>
+                            <a:rPr lang="en-US" dirty="0"/>
+                            <a:t>23</a:t>
+                          </a:r>
+                        </a:p>
+                      </a:txBody>
+                      <a:tcPr/>
+                    </a:tc>
+                    <a:tc>
+                      <a:txBody>
+                        <a:bodyPr/>
+                        <a:lstStyle/>
+                        <a:p>
+                          <a:pPr algn="ctr"/>
+                          <a:r>
+                            <a:rPr lang="en-US" dirty="0"/>
+                            <a:t>23</a:t>
+                          </a:r>
+                        </a:p>
+                      </a:txBody>
+                      <a:tcPr/>
+                    </a:tc>
+                    <a:extLst>
+                      <a:ext uri="{0D108BD9-81ED-4DB2-BD59-A6C34878D82A}">
+                        <a16:rowId xmlns:a16="http://schemas.microsoft.com/office/drawing/2014/main" val="2063475621"/>
+                      </a:ext>
+                    </a:extLst>
+                  </a:tr>
+                  <a:tr h="370840">
+                    <a:tc>
+                      <a:txBody>
+                        <a:bodyPr/>
+                        <a:lstStyle/>
+                        <a:p>
+                          <a:pPr algn="ctr"/>
+                          <a:r>
+                            <a:rPr lang="en-US" dirty="0"/>
+                            <a:t>1</a:t>
+                          </a:r>
+                        </a:p>
+                      </a:txBody>
+                      <a:tcPr/>
+                    </a:tc>
+                    <a:tc>
+                      <a:txBody>
+                        <a:bodyPr/>
+                        <a:lstStyle/>
+                        <a:p>
+                          <a:pPr algn="ctr"/>
+                          <a:r>
+                            <a:rPr lang="en-US" dirty="0"/>
+                            <a:t>529</a:t>
+                          </a:r>
+                        </a:p>
+                      </a:txBody>
+                      <a:tcPr/>
+                    </a:tc>
+                    <a:tc>
+                      <a:txBody>
+                        <a:bodyPr/>
+                        <a:lstStyle/>
+                        <a:p>
+                          <a:pPr algn="ctr"/>
+                          <a:r>
+                            <a:rPr lang="en-US" dirty="0"/>
+                            <a:t>188</a:t>
+                          </a:r>
+                        </a:p>
+                      </a:txBody>
+                      <a:tcPr/>
+                    </a:tc>
+                    <a:tc>
+                      <a:txBody>
+                        <a:bodyPr/>
+                        <a:lstStyle/>
+                        <a:p>
+                          <a:pPr algn="ctr"/>
+                          <a:r>
+                            <a:rPr lang="en-US" dirty="0"/>
+                            <a:t>4324</a:t>
+                          </a:r>
+                        </a:p>
+                      </a:txBody>
+                      <a:tcPr/>
+                    </a:tc>
+                    <a:tc>
+                      <a:txBody>
+                        <a:bodyPr/>
+                        <a:lstStyle/>
+                        <a:p>
+                          <a:pPr algn="ctr"/>
+                          <a:r>
+                            <a:rPr lang="en-US" dirty="0"/>
+                            <a:t>232</a:t>
+                          </a:r>
+                        </a:p>
+                      </a:txBody>
+                      <a:tcPr/>
+                    </a:tc>
+                    <a:extLst>
+                      <a:ext uri="{0D108BD9-81ED-4DB2-BD59-A6C34878D82A}">
+                        <a16:rowId xmlns:a16="http://schemas.microsoft.com/office/drawing/2014/main" val="4157946372"/>
+                      </a:ext>
+                    </a:extLst>
+                  </a:tr>
+                  <a:tr h="370840">
+                    <a:tc>
+                      <a:txBody>
+                        <a:bodyPr/>
+                        <a:lstStyle/>
+                        <a:p>
+                          <a:pPr algn="ctr"/>
+                          <a:r>
+                            <a:rPr lang="en-US" dirty="0"/>
+                            <a:t>1</a:t>
+                          </a:r>
+                        </a:p>
+                      </a:txBody>
+                      <a:tcPr/>
+                    </a:tc>
+                    <a:tc>
+                      <a:txBody>
+                        <a:bodyPr/>
+                        <a:lstStyle/>
+                        <a:p>
+                          <a:pPr algn="ctr"/>
+                          <a:r>
+                            <a:rPr lang="en-US" dirty="0"/>
+                            <a:t>53824</a:t>
+                          </a:r>
+                        </a:p>
+                      </a:txBody>
+                      <a:tcPr/>
+                    </a:tc>
+                    <a:tc>
+                      <a:txBody>
+                        <a:bodyPr/>
+                        <a:lstStyle/>
+                        <a:p>
+                          <a:pPr algn="ctr"/>
+                          <a:r>
+                            <a:rPr lang="en-US" dirty="0"/>
+                            <a:t>287</a:t>
+                          </a:r>
+                        </a:p>
+                      </a:txBody>
+                      <a:tcPr/>
+                    </a:tc>
+                    <a:tc>
+                      <a:txBody>
+                        <a:bodyPr/>
+                        <a:lstStyle/>
+                        <a:p>
+                          <a:pPr algn="ctr"/>
+                          <a:r>
+                            <a:rPr lang="en-US" dirty="0"/>
+                            <a:t>6601</a:t>
+                          </a:r>
+                        </a:p>
+                      </a:txBody>
+                      <a:tcPr/>
+                    </a:tc>
+                    <a:tc>
+                      <a:txBody>
+                        <a:bodyPr/>
+                        <a:lstStyle/>
+                        <a:p>
+                          <a:pPr algn="ctr"/>
+                          <a:r>
+                            <a:rPr lang="en-US" dirty="0"/>
+                            <a:t>122</a:t>
+                          </a:r>
+                        </a:p>
+                      </a:txBody>
+                      <a:tcPr/>
+                    </a:tc>
+                    <a:extLst>
+                      <a:ext uri="{0D108BD9-81ED-4DB2-BD59-A6C34878D82A}">
+                        <a16:rowId xmlns:a16="http://schemas.microsoft.com/office/drawing/2014/main" val="335494242"/>
+                      </a:ext>
+                    </a:extLst>
+                  </a:tr>
+                </a:tbl>
+              </a:graphicData>
+            </a:graphic>
+          </p:graphicFrame>
+        </mc:Fallback>
+      </mc:AlternateContent>
     </p:spTree>
     <p:extLst>
       <p:ext uri="{BB962C8B-B14F-4D97-AF65-F5344CB8AC3E}">
@@ -8662,6 +9348,1901 @@
 </file>
 
 <file path=ppt/slides/slide14.xml><?xml version="1.0" encoding="utf-8"?>
+<p:sld xmlns:a="http://schemas.openxmlformats.org/drawingml/2006/main" xmlns:r="http://schemas.openxmlformats.org/officeDocument/2006/relationships" xmlns:p="http://schemas.openxmlformats.org/presentationml/2006/main">
+  <p:cSld>
+    <p:spTree>
+      <p:nvGrpSpPr>
+        <p:cNvPr id="1" name=""/>
+        <p:cNvGrpSpPr/>
+        <p:nvPr/>
+      </p:nvGrpSpPr>
+      <p:grpSpPr>
+        <a:xfrm>
+          <a:off x="0" y="0"/>
+          <a:ext cx="0" cy="0"/>
+          <a:chOff x="0" y="0"/>
+          <a:chExt cx="0" cy="0"/>
+        </a:xfrm>
+      </p:grpSpPr>
+      <p:sp>
+        <p:nvSpPr>
+          <p:cNvPr id="2" name="Content Placeholder 1">
+            <a:extLst>
+              <a:ext uri="{FF2B5EF4-FFF2-40B4-BE49-F238E27FC236}">
+                <a16:creationId xmlns:a16="http://schemas.microsoft.com/office/drawing/2014/main" id="{3921D6E2-FFCE-B580-AA11-D4B338781CB7}"/>
+              </a:ext>
+            </a:extLst>
+          </p:cNvPr>
+          <p:cNvSpPr>
+            <a:spLocks noGrp="1"/>
+          </p:cNvSpPr>
+          <p:nvPr>
+            <p:ph idx="1"/>
+          </p:nvPr>
+        </p:nvSpPr>
+        <p:spPr>
+          <a:xfrm>
+            <a:off x="457200" y="1481328"/>
+            <a:ext cx="8229600" cy="5102034"/>
+          </a:xfrm>
+        </p:spPr>
+        <p:txBody>
+          <a:bodyPr>
+            <a:normAutofit/>
+          </a:bodyPr>
+          <a:lstStyle/>
+          <a:p>
+            <a:r>
+              <a:rPr lang="en-US" sz="2000" dirty="0"/>
+              <a:t>Alice </a:t>
+            </a:r>
+            <a:r>
+              <a:rPr lang="en-US" sz="2000" dirty="0" err="1"/>
+              <a:t>nhận</a:t>
+            </a:r>
+            <a:r>
+              <a:rPr lang="en-US" sz="2000" dirty="0"/>
+              <a:t> </a:t>
+            </a:r>
+            <a:r>
+              <a:rPr lang="en-US" sz="2000" dirty="0" err="1"/>
+              <a:t>được</a:t>
+            </a:r>
+            <a:r>
+              <a:rPr lang="en-US" sz="2000" dirty="0"/>
+              <a:t> c = 2 </a:t>
+            </a:r>
+            <a:r>
+              <a:rPr lang="en-US" sz="2000" dirty="0" err="1"/>
+              <a:t>mà</a:t>
+            </a:r>
+            <a:r>
+              <a:rPr lang="en-US" sz="2000" dirty="0"/>
+              <a:t> Bob </a:t>
+            </a:r>
+            <a:r>
+              <a:rPr lang="en-US" sz="2000" dirty="0" err="1"/>
+              <a:t>đã</a:t>
+            </a:r>
+            <a:r>
+              <a:rPr lang="en-US" sz="2000" dirty="0"/>
+              <a:t> </a:t>
+            </a:r>
+            <a:r>
+              <a:rPr lang="en-US" sz="2000" dirty="0" err="1"/>
+              <a:t>gửi</a:t>
+            </a:r>
+            <a:r>
+              <a:rPr lang="en-US" sz="2000" dirty="0"/>
+              <a:t> </a:t>
+            </a:r>
+            <a:r>
+              <a:rPr lang="en-US" sz="2000" dirty="0" err="1"/>
+              <a:t>tới</a:t>
+            </a:r>
+            <a:r>
+              <a:rPr lang="en-US" sz="2000" dirty="0"/>
+              <a:t>, </a:t>
+            </a:r>
+            <a:r>
+              <a:rPr lang="en-US" sz="2000" dirty="0" err="1"/>
+              <a:t>sau</a:t>
+            </a:r>
+            <a:r>
+              <a:rPr lang="en-US" sz="2000" dirty="0"/>
+              <a:t> </a:t>
+            </a:r>
+            <a:r>
+              <a:rPr lang="en-US" sz="2000" dirty="0" err="1"/>
+              <a:t>đó</a:t>
+            </a:r>
+            <a:r>
+              <a:rPr lang="en-US" sz="2000" dirty="0"/>
+              <a:t> </a:t>
+            </a:r>
+            <a:r>
+              <a:rPr lang="en-US" sz="2000" dirty="0" err="1"/>
+              <a:t>tiến</a:t>
+            </a:r>
+            <a:r>
+              <a:rPr lang="en-US" sz="2000" dirty="0"/>
+              <a:t> </a:t>
+            </a:r>
+            <a:r>
+              <a:rPr lang="en-US" sz="2000" dirty="0" err="1"/>
+              <a:t>hành</a:t>
+            </a:r>
+            <a:r>
+              <a:rPr lang="en-US" sz="2000" dirty="0"/>
+              <a:t> </a:t>
+            </a:r>
+            <a:r>
+              <a:rPr lang="en-US" sz="2000" dirty="0" err="1"/>
+              <a:t>giải</a:t>
+            </a:r>
+            <a:r>
+              <a:rPr lang="en-US" sz="2000" dirty="0"/>
+              <a:t> </a:t>
+            </a:r>
+            <a:r>
+              <a:rPr lang="en-US" sz="2000" dirty="0" err="1"/>
+              <a:t>mã</a:t>
+            </a:r>
+            <a:r>
+              <a:rPr lang="en-US" sz="2000" dirty="0"/>
+              <a:t> </a:t>
+            </a:r>
+            <a:r>
+              <a:rPr lang="en-US" sz="2000" dirty="0" err="1"/>
+              <a:t>để</a:t>
+            </a:r>
+            <a:r>
+              <a:rPr lang="en-US" sz="2000" dirty="0"/>
+              <a:t> </a:t>
+            </a:r>
+            <a:r>
+              <a:rPr lang="en-US" sz="2000" dirty="0" err="1"/>
+              <a:t>xem</a:t>
+            </a:r>
+            <a:r>
+              <a:rPr lang="en-US" sz="2000" dirty="0"/>
+              <a:t> </a:t>
+            </a:r>
+            <a:r>
+              <a:rPr lang="en-US" sz="2000" dirty="0" err="1"/>
+              <a:t>được</a:t>
+            </a:r>
+            <a:r>
+              <a:rPr lang="en-US" sz="2000" dirty="0"/>
+              <a:t> </a:t>
+            </a:r>
+            <a:r>
+              <a:rPr lang="en-US" sz="2000" dirty="0" err="1"/>
+              <a:t>thông</a:t>
+            </a:r>
+            <a:r>
+              <a:rPr lang="en-US" sz="2000" dirty="0"/>
+              <a:t> </a:t>
+            </a:r>
+            <a:r>
+              <a:rPr lang="en-US" sz="2000" dirty="0" err="1"/>
+              <a:t>điệp</a:t>
+            </a:r>
+            <a:r>
+              <a:rPr lang="en-US" sz="2000" dirty="0"/>
+              <a:t> m</a:t>
+            </a:r>
+          </a:p>
+          <a:p>
+            <a:pPr marL="109728" indent="0" algn="ctr">
+              <a:buNone/>
+            </a:pPr>
+            <a:r>
+              <a:rPr lang="en-US" sz="2000" dirty="0"/>
+              <a:t>m = </a:t>
+            </a:r>
+            <a:r>
+              <a:rPr lang="en-US" sz="2000" dirty="0" err="1"/>
+              <a:t>c^d</a:t>
+            </a:r>
+            <a:r>
+              <a:rPr lang="en-US" sz="2000" dirty="0"/>
+              <a:t> mod n = 122^43 mod 341</a:t>
+            </a:r>
+          </a:p>
+          <a:p>
+            <a:pPr lvl="1"/>
+            <a:r>
+              <a:rPr lang="en-US" sz="2000" dirty="0" err="1"/>
+              <a:t>Áp</a:t>
+            </a:r>
+            <a:r>
+              <a:rPr lang="en-US" sz="2000" dirty="0"/>
+              <a:t> </a:t>
+            </a:r>
+            <a:r>
+              <a:rPr lang="en-US" sz="2000" dirty="0" err="1"/>
+              <a:t>dụng</a:t>
+            </a:r>
+            <a:r>
+              <a:rPr lang="en-US" sz="2000" dirty="0"/>
+              <a:t> </a:t>
+            </a:r>
+            <a:r>
+              <a:rPr lang="en-US" sz="2000" dirty="0" err="1"/>
+              <a:t>thuật</a:t>
+            </a:r>
+            <a:r>
+              <a:rPr lang="en-US" sz="2000" dirty="0"/>
+              <a:t> </a:t>
+            </a:r>
+            <a:r>
+              <a:rPr lang="en-US" sz="2000" dirty="0" err="1"/>
+              <a:t>toán</a:t>
+            </a:r>
+            <a:r>
+              <a:rPr lang="en-US" sz="2000" dirty="0"/>
+              <a:t> </a:t>
+            </a:r>
+            <a:r>
+              <a:rPr lang="en-US" sz="2000" dirty="0" err="1"/>
+              <a:t>bình</a:t>
+            </a:r>
+            <a:r>
+              <a:rPr lang="en-US" sz="2000" dirty="0"/>
+              <a:t> </a:t>
+            </a:r>
+            <a:r>
+              <a:rPr lang="en-US" sz="2000" dirty="0" err="1"/>
+              <a:t>phương</a:t>
+            </a:r>
+            <a:r>
+              <a:rPr lang="en-US" sz="2000" dirty="0"/>
+              <a:t> </a:t>
+            </a:r>
+            <a:r>
+              <a:rPr lang="en-US" sz="2000" dirty="0" err="1"/>
+              <a:t>và</a:t>
+            </a:r>
+            <a:r>
+              <a:rPr lang="en-US" sz="2000" dirty="0"/>
+              <a:t> </a:t>
+            </a:r>
+            <a:r>
+              <a:rPr lang="en-US" sz="2000" dirty="0" err="1"/>
+              <a:t>nhân</a:t>
+            </a:r>
+            <a:r>
+              <a:rPr lang="en-US" sz="2000" dirty="0"/>
+              <a:t> ta </a:t>
+            </a:r>
+            <a:r>
+              <a:rPr lang="en-US" sz="2000" dirty="0" err="1"/>
+              <a:t>có</a:t>
+            </a:r>
+            <a:r>
+              <a:rPr lang="en-US" sz="2000" dirty="0"/>
+              <a:t>:</a:t>
+            </a:r>
+          </a:p>
+          <a:p>
+            <a:pPr lvl="2"/>
+            <a:r>
+              <a:rPr lang="en-US" sz="2000" dirty="0"/>
+              <a:t>43 = 101011</a:t>
+            </a:r>
+            <a:r>
+              <a:rPr lang="en-US" sz="2000" baseline="-25000" dirty="0"/>
+              <a:t>2</a:t>
+            </a:r>
+          </a:p>
+          <a:p>
+            <a:pPr lvl="2"/>
+            <a:endParaRPr lang="en-US" sz="2000" baseline="-25000" dirty="0"/>
+          </a:p>
+          <a:p>
+            <a:pPr lvl="2"/>
+            <a:endParaRPr lang="en-US" sz="2000" baseline="-25000" dirty="0"/>
+          </a:p>
+          <a:p>
+            <a:pPr lvl="2"/>
+            <a:endParaRPr lang="en-US" sz="2000" baseline="-25000" dirty="0"/>
+          </a:p>
+          <a:p>
+            <a:pPr lvl="2"/>
+            <a:endParaRPr lang="en-US" sz="2000" baseline="-25000" dirty="0"/>
+          </a:p>
+          <a:p>
+            <a:pPr lvl="2"/>
+            <a:endParaRPr lang="en-US" sz="2000" baseline="-25000" dirty="0"/>
+          </a:p>
+          <a:p>
+            <a:pPr lvl="2"/>
+            <a:endParaRPr lang="en-US" sz="2000" baseline="-25000" dirty="0"/>
+          </a:p>
+          <a:p>
+            <a:pPr lvl="2"/>
+            <a:endParaRPr lang="en-US" sz="2000" baseline="-25000" dirty="0"/>
+          </a:p>
+          <a:p>
+            <a:pPr lvl="2"/>
+            <a:endParaRPr lang="en-US" sz="2000" baseline="-25000" dirty="0"/>
+          </a:p>
+          <a:p>
+            <a:pPr lvl="2"/>
+            <a:endParaRPr lang="en-US" sz="2000" baseline="-25000" dirty="0"/>
+          </a:p>
+          <a:p>
+            <a:pPr lvl="2"/>
+            <a:endParaRPr lang="en-US" sz="2000" baseline="-25000" dirty="0"/>
+          </a:p>
+          <a:p>
+            <a:pPr marL="2057400" lvl="8" indent="0">
+              <a:buNone/>
+            </a:pPr>
+            <a:r>
+              <a:rPr lang="en-US" sz="2800" baseline="-25000" dirty="0" err="1"/>
+              <a:t>Vậy</a:t>
+            </a:r>
+            <a:r>
+              <a:rPr lang="en-US" sz="2800" baseline="-25000" dirty="0"/>
+              <a:t> m = 23 </a:t>
+            </a:r>
+            <a:r>
+              <a:rPr lang="en-US" sz="2800" baseline="-25000" dirty="0" err="1"/>
+              <a:t>trùng</a:t>
+            </a:r>
+            <a:r>
+              <a:rPr lang="en-US" sz="2800" baseline="-25000" dirty="0"/>
+              <a:t> </a:t>
+            </a:r>
+            <a:r>
+              <a:rPr lang="en-US" sz="2800" baseline="-25000" dirty="0" err="1"/>
+              <a:t>khớp</a:t>
+            </a:r>
+            <a:r>
+              <a:rPr lang="en-US" sz="2800" baseline="-25000" dirty="0"/>
+              <a:t> </a:t>
+            </a:r>
+            <a:r>
+              <a:rPr lang="en-US" sz="2800" baseline="-25000" dirty="0" err="1"/>
+              <a:t>với</a:t>
+            </a:r>
+            <a:r>
+              <a:rPr lang="en-US" sz="2800" baseline="-25000" dirty="0"/>
+              <a:t> </a:t>
+            </a:r>
+            <a:r>
+              <a:rPr lang="en-US" sz="2800" baseline="-25000" dirty="0" err="1"/>
+              <a:t>thông</a:t>
+            </a:r>
+            <a:r>
+              <a:rPr lang="en-US" sz="2800" baseline="-25000" dirty="0"/>
+              <a:t> </a:t>
+            </a:r>
+            <a:r>
+              <a:rPr lang="en-US" sz="2800" baseline="-25000" dirty="0" err="1"/>
+              <a:t>điệp</a:t>
+            </a:r>
+            <a:r>
+              <a:rPr lang="en-US" sz="2800" baseline="-25000" dirty="0"/>
+              <a:t> m </a:t>
+            </a:r>
+            <a:r>
+              <a:rPr lang="en-US" sz="2800" baseline="-25000" dirty="0" err="1"/>
+              <a:t>mà</a:t>
+            </a:r>
+            <a:r>
+              <a:rPr lang="en-US" sz="2800" baseline="-25000" dirty="0"/>
+              <a:t> Bob </a:t>
+            </a:r>
+            <a:r>
+              <a:rPr lang="en-US" sz="2800" baseline="-25000" dirty="0" err="1"/>
+              <a:t>đã</a:t>
+            </a:r>
+            <a:r>
+              <a:rPr lang="en-US" sz="2800" baseline="-25000" dirty="0"/>
+              <a:t> </a:t>
+            </a:r>
+            <a:r>
+              <a:rPr lang="en-US" sz="2800" baseline="-25000" dirty="0" err="1"/>
+              <a:t>gửi</a:t>
+            </a:r>
+            <a:endParaRPr lang="en-US" sz="2800" baseline="-25000" dirty="0"/>
+          </a:p>
+          <a:p>
+            <a:pPr lvl="2"/>
+            <a:endParaRPr lang="en-US" dirty="0"/>
+          </a:p>
+        </p:txBody>
+      </p:sp>
+      <p:sp>
+        <p:nvSpPr>
+          <p:cNvPr id="3" name="Title 2">
+            <a:extLst>
+              <a:ext uri="{FF2B5EF4-FFF2-40B4-BE49-F238E27FC236}">
+                <a16:creationId xmlns:a16="http://schemas.microsoft.com/office/drawing/2014/main" id="{D750AF0C-4AFF-862B-302E-6C3CA18A3D7D}"/>
+              </a:ext>
+            </a:extLst>
+          </p:cNvPr>
+          <p:cNvSpPr>
+            <a:spLocks noGrp="1"/>
+          </p:cNvSpPr>
+          <p:nvPr>
+            <p:ph type="title"/>
+          </p:nvPr>
+        </p:nvSpPr>
+        <p:spPr/>
+        <p:txBody>
+          <a:bodyPr>
+            <a:normAutofit fontScale="90000"/>
+          </a:bodyPr>
+          <a:lstStyle/>
+          <a:p>
+            <a:r>
+              <a:rPr lang="en-US" dirty="0" err="1"/>
+              <a:t>Một</a:t>
+            </a:r>
+            <a:r>
+              <a:rPr lang="en-US" dirty="0"/>
+              <a:t> </a:t>
+            </a:r>
+            <a:r>
+              <a:rPr lang="en-US" dirty="0" err="1"/>
+              <a:t>số</a:t>
+            </a:r>
+            <a:r>
+              <a:rPr lang="en-US" dirty="0"/>
+              <a:t> </a:t>
+            </a:r>
+            <a:r>
+              <a:rPr lang="en-US" dirty="0" err="1"/>
+              <a:t>ví</a:t>
+            </a:r>
+            <a:r>
+              <a:rPr lang="en-US" dirty="0"/>
+              <a:t> </a:t>
+            </a:r>
+            <a:r>
+              <a:rPr lang="en-US" dirty="0" err="1"/>
+              <a:t>dụ</a:t>
+            </a:r>
+            <a:r>
+              <a:rPr lang="en-US" dirty="0"/>
+              <a:t> </a:t>
+            </a:r>
+            <a:r>
+              <a:rPr lang="en-US" dirty="0" err="1"/>
+              <a:t>về</a:t>
+            </a:r>
+            <a:r>
+              <a:rPr lang="en-US" dirty="0"/>
+              <a:t> </a:t>
+            </a:r>
+            <a:r>
+              <a:rPr lang="en-US" dirty="0" err="1"/>
+              <a:t>cách</a:t>
+            </a:r>
+            <a:r>
+              <a:rPr lang="en-US" dirty="0"/>
+              <a:t> </a:t>
+            </a:r>
+            <a:r>
+              <a:rPr lang="en-US" dirty="0" err="1"/>
+              <a:t>tạo</a:t>
+            </a:r>
+            <a:r>
+              <a:rPr lang="en-US" dirty="0"/>
+              <a:t> </a:t>
+            </a:r>
+            <a:r>
+              <a:rPr lang="en-US" dirty="0" err="1"/>
+              <a:t>khóa</a:t>
+            </a:r>
+            <a:r>
+              <a:rPr lang="en-US" dirty="0"/>
+              <a:t> </a:t>
+            </a:r>
+            <a:r>
+              <a:rPr lang="en-US" dirty="0" err="1"/>
+              <a:t>và</a:t>
+            </a:r>
+            <a:r>
+              <a:rPr lang="en-US" dirty="0"/>
+              <a:t> </a:t>
+            </a:r>
+            <a:r>
+              <a:rPr lang="en-US" dirty="0" err="1"/>
+              <a:t>giải</a:t>
+            </a:r>
+            <a:r>
+              <a:rPr lang="en-US" dirty="0"/>
+              <a:t> </a:t>
+            </a:r>
+            <a:r>
+              <a:rPr lang="en-US" dirty="0" err="1"/>
+              <a:t>mã</a:t>
+            </a:r>
+            <a:r>
+              <a:rPr lang="en-US" dirty="0"/>
+              <a:t> </a:t>
+            </a:r>
+            <a:r>
+              <a:rPr lang="en-US" dirty="0" err="1"/>
+              <a:t>với</a:t>
+            </a:r>
+            <a:r>
+              <a:rPr lang="en-US" dirty="0"/>
+              <a:t> </a:t>
+            </a:r>
+            <a:r>
+              <a:rPr lang="en-US" dirty="0" err="1"/>
+              <a:t>hệ</a:t>
+            </a:r>
+            <a:r>
+              <a:rPr lang="en-US" dirty="0"/>
+              <a:t> </a:t>
+            </a:r>
+            <a:r>
+              <a:rPr lang="en-US" dirty="0" err="1"/>
+              <a:t>mã</a:t>
+            </a:r>
+            <a:r>
+              <a:rPr lang="en-US" dirty="0"/>
+              <a:t> </a:t>
+            </a:r>
+            <a:r>
+              <a:rPr lang="en-US" dirty="0" err="1"/>
+              <a:t>hóa</a:t>
+            </a:r>
+            <a:r>
+              <a:rPr lang="en-US" dirty="0"/>
+              <a:t> RSA</a:t>
+            </a:r>
+          </a:p>
+        </p:txBody>
+      </p:sp>
+      <mc:AlternateContent xmlns:mc="http://schemas.openxmlformats.org/markup-compatibility/2006" xmlns:a14="http://schemas.microsoft.com/office/drawing/2010/main">
+        <mc:Choice Requires="a14">
+          <p:graphicFrame>
+            <p:nvGraphicFramePr>
+              <p:cNvPr id="4" name="Table 4">
+                <a:extLst>
+                  <a:ext uri="{FF2B5EF4-FFF2-40B4-BE49-F238E27FC236}">
+                    <a16:creationId xmlns:a16="http://schemas.microsoft.com/office/drawing/2014/main" id="{574E3754-BEA0-2FE7-17B9-DBD1C96697FC}"/>
+                  </a:ext>
+                </a:extLst>
+              </p:cNvPr>
+              <p:cNvGraphicFramePr>
+                <a:graphicFrameLocks noGrp="1"/>
+              </p:cNvGraphicFramePr>
+              <p:nvPr>
+                <p:extLst>
+                  <p:ext uri="{D42A27DB-BD31-4B8C-83A1-F6EECF244321}">
+                    <p14:modId xmlns:p14="http://schemas.microsoft.com/office/powerpoint/2010/main" val="860356954"/>
+                  </p:ext>
+                </p:extLst>
+              </p:nvPr>
+            </p:nvGraphicFramePr>
+            <p:xfrm>
+              <a:off x="685800" y="3200400"/>
+              <a:ext cx="8229600" cy="2596960"/>
+            </p:xfrm>
+            <a:graphic>
+              <a:graphicData uri="http://schemas.openxmlformats.org/drawingml/2006/table">
+                <a:tbl>
+                  <a:tblPr firstRow="1" bandRow="1">
+                    <a:tableStyleId>{5C22544A-7EE6-4342-B048-85BDC9FD1C3A}</a:tableStyleId>
+                  </a:tblPr>
+                  <a:tblGrid>
+                    <a:gridCol w="1645920">
+                      <a:extLst>
+                        <a:ext uri="{9D8B030D-6E8A-4147-A177-3AD203B41FA5}">
+                          <a16:colId xmlns:a16="http://schemas.microsoft.com/office/drawing/2014/main" val="924118694"/>
+                        </a:ext>
+                      </a:extLst>
+                    </a:gridCol>
+                    <a:gridCol w="1645920">
+                      <a:extLst>
+                        <a:ext uri="{9D8B030D-6E8A-4147-A177-3AD203B41FA5}">
+                          <a16:colId xmlns:a16="http://schemas.microsoft.com/office/drawing/2014/main" val="3618698955"/>
+                        </a:ext>
+                      </a:extLst>
+                    </a:gridCol>
+                    <a:gridCol w="1965960">
+                      <a:extLst>
+                        <a:ext uri="{9D8B030D-6E8A-4147-A177-3AD203B41FA5}">
+                          <a16:colId xmlns:a16="http://schemas.microsoft.com/office/drawing/2014/main" val="339355054"/>
+                        </a:ext>
+                      </a:extLst>
+                    </a:gridCol>
+                    <a:gridCol w="1143000">
+                      <a:extLst>
+                        <a:ext uri="{9D8B030D-6E8A-4147-A177-3AD203B41FA5}">
+                          <a16:colId xmlns:a16="http://schemas.microsoft.com/office/drawing/2014/main" val="794337173"/>
+                        </a:ext>
+                      </a:extLst>
+                    </a:gridCol>
+                    <a:gridCol w="1828800">
+                      <a:extLst>
+                        <a:ext uri="{9D8B030D-6E8A-4147-A177-3AD203B41FA5}">
+                          <a16:colId xmlns:a16="http://schemas.microsoft.com/office/drawing/2014/main" val="3599509403"/>
+                        </a:ext>
+                      </a:extLst>
+                    </a:gridCol>
+                  </a:tblGrid>
+                  <a:tr h="370840">
+                    <a:tc>
+                      <a:txBody>
+                        <a:bodyPr/>
+                        <a:lstStyle/>
+                        <a:p>
+                          <a:pPr marL="0" marR="0" lvl="0" indent="0" algn="ctr" defTabSz="914400" rtl="0" eaLnBrk="1" fontAlgn="auto" latinLnBrk="0" hangingPunct="1">
+                            <a:lnSpc>
+                              <a:spcPct val="100000"/>
+                            </a:lnSpc>
+                            <a:spcBef>
+                              <a:spcPts val="0"/>
+                            </a:spcBef>
+                            <a:spcAft>
+                              <a:spcPts val="0"/>
+                            </a:spcAft>
+                            <a:buClrTx/>
+                            <a:buSzTx/>
+                            <a:buFontTx/>
+                            <a:buNone/>
+                            <a:tabLst/>
+                            <a:defRPr/>
+                          </a:pPr>
+                          <a:r>
+                            <a:rPr lang="en-US" dirty="0"/>
+                            <a:t>b[</a:t>
+                          </a:r>
+                          <a:r>
+                            <a:rPr lang="en-US" dirty="0" err="1"/>
+                            <a:t>i</a:t>
+                          </a:r>
+                          <a:r>
+                            <a:rPr lang="en-US" dirty="0"/>
+                            <a:t>]</a:t>
+                          </a:r>
+                        </a:p>
+                      </a:txBody>
+                      <a:tcPr/>
+                    </a:tc>
+                    <a:tc>
+                      <a:txBody>
+                        <a:bodyPr/>
+                        <a:lstStyle/>
+                        <a:p>
+                          <a:pPr algn="ctr"/>
+                          <a:r>
+                            <a:rPr lang="en-US" dirty="0"/>
+                            <a:t>p = </a:t>
+                          </a:r>
+                          <a14:m>
+                            <m:oMath xmlns:m="http://schemas.openxmlformats.org/officeDocument/2006/math">
+                              <m:sSup>
+                                <m:sSupPr>
+                                  <m:ctrlPr>
+                                    <a:rPr lang="en-US" i="1" smtClean="0">
+                                      <a:latin typeface="Cambria Math" panose="02040503050406030204" pitchFamily="18" charset="0"/>
+                                    </a:rPr>
+                                  </m:ctrlPr>
+                                </m:sSupPr>
+                                <m:e>
+                                  <m:r>
+                                    <a:rPr lang="en-US" b="1" i="1" smtClean="0">
+                                      <a:latin typeface="Cambria Math" panose="02040503050406030204" pitchFamily="18" charset="0"/>
+                                    </a:rPr>
+                                    <m:t>𝒑</m:t>
+                                  </m:r>
+                                </m:e>
+                                <m:sup>
+                                  <m:r>
+                                    <a:rPr lang="en-US" b="1" i="1" smtClean="0">
+                                      <a:latin typeface="Cambria Math" panose="02040503050406030204" pitchFamily="18" charset="0"/>
+                                    </a:rPr>
+                                    <m:t>𝟐</m:t>
+                                  </m:r>
+                                </m:sup>
+                              </m:sSup>
+                            </m:oMath>
+                          </a14:m>
+                          <a:endParaRPr lang="en-US" dirty="0"/>
+                        </a:p>
+                      </a:txBody>
+                      <a:tcPr/>
+                    </a:tc>
+                    <a:tc>
+                      <a:txBody>
+                        <a:bodyPr/>
+                        <a:lstStyle/>
+                        <a:p>
+                          <a:pPr marL="0" marR="0" lvl="0" indent="0" algn="ctr" defTabSz="914400" rtl="0" eaLnBrk="1" fontAlgn="auto" latinLnBrk="0" hangingPunct="1">
+                            <a:lnSpc>
+                              <a:spcPct val="100000"/>
+                            </a:lnSpc>
+                            <a:spcBef>
+                              <a:spcPts val="0"/>
+                            </a:spcBef>
+                            <a:spcAft>
+                              <a:spcPts val="0"/>
+                            </a:spcAft>
+                            <a:buClrTx/>
+                            <a:buSzTx/>
+                            <a:buFontTx/>
+                            <a:buNone/>
+                            <a:tabLst/>
+                            <a:defRPr/>
+                          </a:pPr>
+                          <a:r>
+                            <a:rPr lang="en-US" dirty="0"/>
+                            <a:t>p = p mod 341</a:t>
+                          </a:r>
+                        </a:p>
+                      </a:txBody>
+                      <a:tcPr/>
+                    </a:tc>
+                    <a:tc>
+                      <a:txBody>
+                        <a:bodyPr/>
+                        <a:lstStyle/>
+                        <a:p>
+                          <a:pPr algn="ctr"/>
+                          <a:r>
+                            <a:rPr lang="en-US" dirty="0"/>
+                            <a:t>P*122</a:t>
+                          </a:r>
+                        </a:p>
+                      </a:txBody>
+                      <a:tcPr/>
+                    </a:tc>
+                    <a:tc>
+                      <a:txBody>
+                        <a:bodyPr/>
+                        <a:lstStyle/>
+                        <a:p>
+                          <a:pPr algn="ctr"/>
+                          <a:r>
+                            <a:rPr lang="en-US" dirty="0"/>
+                            <a:t>p = mod 341</a:t>
+                          </a:r>
+                        </a:p>
+                      </a:txBody>
+                      <a:tcPr/>
+                    </a:tc>
+                    <a:extLst>
+                      <a:ext uri="{0D108BD9-81ED-4DB2-BD59-A6C34878D82A}">
+                        <a16:rowId xmlns:a16="http://schemas.microsoft.com/office/drawing/2014/main" val="2019775434"/>
+                      </a:ext>
+                    </a:extLst>
+                  </a:tr>
+                  <a:tr h="370840">
+                    <a:tc>
+                      <a:txBody>
+                        <a:bodyPr/>
+                        <a:lstStyle/>
+                        <a:p>
+                          <a:pPr algn="ctr"/>
+                          <a:r>
+                            <a:rPr lang="en-US" dirty="0"/>
+                            <a:t>1</a:t>
+                          </a:r>
+                        </a:p>
+                      </a:txBody>
+                      <a:tcPr/>
+                    </a:tc>
+                    <a:tc>
+                      <a:txBody>
+                        <a:bodyPr/>
+                        <a:lstStyle/>
+                        <a:p>
+                          <a:pPr algn="ctr"/>
+                          <a:r>
+                            <a:rPr lang="en-US" dirty="0"/>
+                            <a:t>1</a:t>
+                          </a:r>
+                        </a:p>
+                      </a:txBody>
+                      <a:tcPr/>
+                    </a:tc>
+                    <a:tc>
+                      <a:txBody>
+                        <a:bodyPr/>
+                        <a:lstStyle/>
+                        <a:p>
+                          <a:pPr algn="ctr"/>
+                          <a:r>
+                            <a:rPr lang="en-US" dirty="0"/>
+                            <a:t>1</a:t>
+                          </a:r>
+                        </a:p>
+                      </a:txBody>
+                      <a:tcPr/>
+                    </a:tc>
+                    <a:tc>
+                      <a:txBody>
+                        <a:bodyPr/>
+                        <a:lstStyle/>
+                        <a:p>
+                          <a:pPr algn="ctr"/>
+                          <a:r>
+                            <a:rPr lang="en-US" dirty="0"/>
+                            <a:t>122</a:t>
+                          </a:r>
+                        </a:p>
+                      </a:txBody>
+                      <a:tcPr/>
+                    </a:tc>
+                    <a:tc>
+                      <a:txBody>
+                        <a:bodyPr/>
+                        <a:lstStyle/>
+                        <a:p>
+                          <a:pPr algn="ctr"/>
+                          <a:r>
+                            <a:rPr lang="en-US" dirty="0"/>
+                            <a:t>122</a:t>
+                          </a:r>
+                        </a:p>
+                      </a:txBody>
+                      <a:tcPr/>
+                    </a:tc>
+                    <a:extLst>
+                      <a:ext uri="{0D108BD9-81ED-4DB2-BD59-A6C34878D82A}">
+                        <a16:rowId xmlns:a16="http://schemas.microsoft.com/office/drawing/2014/main" val="4096367141"/>
+                      </a:ext>
+                    </a:extLst>
+                  </a:tr>
+                  <a:tr h="370840">
+                    <a:tc>
+                      <a:txBody>
+                        <a:bodyPr/>
+                        <a:lstStyle/>
+                        <a:p>
+                          <a:pPr algn="ctr"/>
+                          <a:r>
+                            <a:rPr lang="en-US" dirty="0"/>
+                            <a:t>1</a:t>
+                          </a:r>
+                        </a:p>
+                      </a:txBody>
+                      <a:tcPr/>
+                    </a:tc>
+                    <a:tc>
+                      <a:txBody>
+                        <a:bodyPr/>
+                        <a:lstStyle/>
+                        <a:p>
+                          <a:pPr algn="ctr"/>
+                          <a:r>
+                            <a:rPr lang="en-US" dirty="0"/>
+                            <a:t>14884</a:t>
+                          </a:r>
+                        </a:p>
+                      </a:txBody>
+                      <a:tcPr/>
+                    </a:tc>
+                    <a:tc>
+                      <a:txBody>
+                        <a:bodyPr/>
+                        <a:lstStyle/>
+                        <a:p>
+                          <a:pPr algn="ctr"/>
+                          <a:r>
+                            <a:rPr lang="en-US" dirty="0"/>
+                            <a:t>221</a:t>
+                          </a:r>
+                        </a:p>
+                      </a:txBody>
+                      <a:tcPr/>
+                    </a:tc>
+                    <a:tc>
+                      <a:txBody>
+                        <a:bodyPr/>
+                        <a:lstStyle/>
+                        <a:p>
+                          <a:pPr algn="ctr"/>
+                          <a:r>
+                            <a:rPr lang="en-US" dirty="0"/>
+                            <a:t>26962</a:t>
+                          </a:r>
+                        </a:p>
+                      </a:txBody>
+                      <a:tcPr/>
+                    </a:tc>
+                    <a:tc>
+                      <a:txBody>
+                        <a:bodyPr/>
+                        <a:lstStyle/>
+                        <a:p>
+                          <a:pPr algn="ctr"/>
+                          <a:r>
+                            <a:rPr lang="en-US" dirty="0"/>
+                            <a:t>23</a:t>
+                          </a:r>
+                        </a:p>
+                      </a:txBody>
+                      <a:tcPr/>
+                    </a:tc>
+                    <a:extLst>
+                      <a:ext uri="{0D108BD9-81ED-4DB2-BD59-A6C34878D82A}">
+                        <a16:rowId xmlns:a16="http://schemas.microsoft.com/office/drawing/2014/main" val="2960676159"/>
+                      </a:ext>
+                    </a:extLst>
+                  </a:tr>
+                  <a:tr h="370840">
+                    <a:tc>
+                      <a:txBody>
+                        <a:bodyPr/>
+                        <a:lstStyle/>
+                        <a:p>
+                          <a:pPr algn="ctr"/>
+                          <a:r>
+                            <a:rPr lang="en-US" dirty="0"/>
+                            <a:t>0</a:t>
+                          </a:r>
+                        </a:p>
+                      </a:txBody>
+                      <a:tcPr/>
+                    </a:tc>
+                    <a:tc>
+                      <a:txBody>
+                        <a:bodyPr/>
+                        <a:lstStyle/>
+                        <a:p>
+                          <a:pPr algn="ctr"/>
+                          <a:r>
+                            <a:rPr lang="en-US" dirty="0"/>
+                            <a:t>529</a:t>
+                          </a:r>
+                        </a:p>
+                      </a:txBody>
+                      <a:tcPr/>
+                    </a:tc>
+                    <a:tc>
+                      <a:txBody>
+                        <a:bodyPr/>
+                        <a:lstStyle/>
+                        <a:p>
+                          <a:pPr algn="ctr"/>
+                          <a:r>
+                            <a:rPr lang="en-US" dirty="0"/>
+                            <a:t>188</a:t>
+                          </a:r>
+                        </a:p>
+                      </a:txBody>
+                      <a:tcPr/>
+                    </a:tc>
+                    <a:tc>
+                      <a:txBody>
+                        <a:bodyPr/>
+                        <a:lstStyle/>
+                        <a:p>
+                          <a:pPr algn="ctr"/>
+                          <a:endParaRPr lang="en-US" dirty="0"/>
+                        </a:p>
+                      </a:txBody>
+                      <a:tcPr/>
+                    </a:tc>
+                    <a:tc>
+                      <a:txBody>
+                        <a:bodyPr/>
+                        <a:lstStyle/>
+                        <a:p>
+                          <a:pPr algn="ctr"/>
+                          <a:r>
+                            <a:rPr lang="en-US" dirty="0"/>
+                            <a:t>188</a:t>
+                          </a:r>
+                        </a:p>
+                      </a:txBody>
+                      <a:tcPr/>
+                    </a:tc>
+                    <a:extLst>
+                      <a:ext uri="{0D108BD9-81ED-4DB2-BD59-A6C34878D82A}">
+                        <a16:rowId xmlns:a16="http://schemas.microsoft.com/office/drawing/2014/main" val="2184221181"/>
+                      </a:ext>
+                    </a:extLst>
+                  </a:tr>
+                  <a:tr h="370840">
+                    <a:tc>
+                      <a:txBody>
+                        <a:bodyPr/>
+                        <a:lstStyle/>
+                        <a:p>
+                          <a:pPr algn="ctr"/>
+                          <a:r>
+                            <a:rPr lang="en-US" dirty="0"/>
+                            <a:t>1</a:t>
+                          </a:r>
+                        </a:p>
+                      </a:txBody>
+                      <a:tcPr/>
+                    </a:tc>
+                    <a:tc>
+                      <a:txBody>
+                        <a:bodyPr/>
+                        <a:lstStyle/>
+                        <a:p>
+                          <a:pPr algn="ctr"/>
+                          <a:r>
+                            <a:rPr lang="en-US" dirty="0"/>
+                            <a:t>35341</a:t>
+                          </a:r>
+                        </a:p>
+                      </a:txBody>
+                      <a:tcPr/>
+                    </a:tc>
+                    <a:tc>
+                      <a:txBody>
+                        <a:bodyPr/>
+                        <a:lstStyle/>
+                        <a:p>
+                          <a:pPr algn="ctr"/>
+                          <a:r>
+                            <a:rPr lang="en-US" dirty="0"/>
+                            <a:t>221</a:t>
+                          </a:r>
+                        </a:p>
+                      </a:txBody>
+                      <a:tcPr/>
+                    </a:tc>
+                    <a:tc>
+                      <a:txBody>
+                        <a:bodyPr/>
+                        <a:lstStyle/>
+                        <a:p>
+                          <a:pPr algn="ctr"/>
+                          <a:r>
+                            <a:rPr lang="en-US" dirty="0"/>
+                            <a:t>26962</a:t>
+                          </a:r>
+                        </a:p>
+                      </a:txBody>
+                      <a:tcPr/>
+                    </a:tc>
+                    <a:tc>
+                      <a:txBody>
+                        <a:bodyPr/>
+                        <a:lstStyle/>
+                        <a:p>
+                          <a:pPr algn="ctr"/>
+                          <a:r>
+                            <a:rPr lang="en-US" dirty="0"/>
+                            <a:t>23</a:t>
+                          </a:r>
+                        </a:p>
+                      </a:txBody>
+                      <a:tcPr/>
+                    </a:tc>
+                    <a:extLst>
+                      <a:ext uri="{0D108BD9-81ED-4DB2-BD59-A6C34878D82A}">
+                        <a16:rowId xmlns:a16="http://schemas.microsoft.com/office/drawing/2014/main" val="54889891"/>
+                      </a:ext>
+                    </a:extLst>
+                  </a:tr>
+                  <a:tr h="370840">
+                    <a:tc>
+                      <a:txBody>
+                        <a:bodyPr/>
+                        <a:lstStyle/>
+                        <a:p>
+                          <a:pPr algn="ctr"/>
+                          <a:r>
+                            <a:rPr lang="en-US" dirty="0"/>
+                            <a:t>0</a:t>
+                          </a:r>
+                        </a:p>
+                      </a:txBody>
+                      <a:tcPr/>
+                    </a:tc>
+                    <a:tc>
+                      <a:txBody>
+                        <a:bodyPr/>
+                        <a:lstStyle/>
+                        <a:p>
+                          <a:pPr algn="ctr"/>
+                          <a:r>
+                            <a:rPr lang="en-US" dirty="0"/>
+                            <a:t>529</a:t>
+                          </a:r>
+                        </a:p>
+                      </a:txBody>
+                      <a:tcPr/>
+                    </a:tc>
+                    <a:tc>
+                      <a:txBody>
+                        <a:bodyPr/>
+                        <a:lstStyle/>
+                        <a:p>
+                          <a:pPr algn="ctr"/>
+                          <a:r>
+                            <a:rPr lang="en-US" dirty="0"/>
+                            <a:t>188</a:t>
+                          </a:r>
+                        </a:p>
+                      </a:txBody>
+                      <a:tcPr/>
+                    </a:tc>
+                    <a:tc>
+                      <a:txBody>
+                        <a:bodyPr/>
+                        <a:lstStyle/>
+                        <a:p>
+                          <a:pPr algn="ctr"/>
+                          <a:endParaRPr lang="en-US" dirty="0"/>
+                        </a:p>
+                      </a:txBody>
+                      <a:tcPr/>
+                    </a:tc>
+                    <a:tc>
+                      <a:txBody>
+                        <a:bodyPr/>
+                        <a:lstStyle/>
+                        <a:p>
+                          <a:pPr algn="ctr"/>
+                          <a:r>
+                            <a:rPr lang="en-US" dirty="0"/>
+                            <a:t>188</a:t>
+                          </a:r>
+                        </a:p>
+                      </a:txBody>
+                      <a:tcPr/>
+                    </a:tc>
+                    <a:extLst>
+                      <a:ext uri="{0D108BD9-81ED-4DB2-BD59-A6C34878D82A}">
+                        <a16:rowId xmlns:a16="http://schemas.microsoft.com/office/drawing/2014/main" val="3609763646"/>
+                      </a:ext>
+                    </a:extLst>
+                  </a:tr>
+                  <a:tr h="370840">
+                    <a:tc>
+                      <a:txBody>
+                        <a:bodyPr/>
+                        <a:lstStyle/>
+                        <a:p>
+                          <a:pPr algn="ctr"/>
+                          <a:r>
+                            <a:rPr lang="en-US" dirty="0"/>
+                            <a:t>1</a:t>
+                          </a:r>
+                        </a:p>
+                      </a:txBody>
+                      <a:tcPr/>
+                    </a:tc>
+                    <a:tc>
+                      <a:txBody>
+                        <a:bodyPr/>
+                        <a:lstStyle/>
+                        <a:p>
+                          <a:pPr algn="ctr"/>
+                          <a:r>
+                            <a:rPr lang="en-US" dirty="0"/>
+                            <a:t>35341</a:t>
+                          </a:r>
+                        </a:p>
+                      </a:txBody>
+                      <a:tcPr/>
+                    </a:tc>
+                    <a:tc>
+                      <a:txBody>
+                        <a:bodyPr/>
+                        <a:lstStyle/>
+                        <a:p>
+                          <a:pPr algn="ctr"/>
+                          <a:r>
+                            <a:rPr lang="en-US" dirty="0"/>
+                            <a:t>221</a:t>
+                          </a:r>
+                        </a:p>
+                      </a:txBody>
+                      <a:tcPr/>
+                    </a:tc>
+                    <a:tc>
+                      <a:txBody>
+                        <a:bodyPr/>
+                        <a:lstStyle/>
+                        <a:p>
+                          <a:pPr algn="ctr"/>
+                          <a:r>
+                            <a:rPr lang="en-US" dirty="0"/>
+                            <a:t>26962</a:t>
+                          </a:r>
+                        </a:p>
+                      </a:txBody>
+                      <a:tcPr/>
+                    </a:tc>
+                    <a:tc>
+                      <a:txBody>
+                        <a:bodyPr/>
+                        <a:lstStyle/>
+                        <a:p>
+                          <a:pPr algn="ctr"/>
+                          <a:r>
+                            <a:rPr lang="en-US" dirty="0"/>
+                            <a:t>23</a:t>
+                          </a:r>
+                        </a:p>
+                      </a:txBody>
+                      <a:tcPr/>
+                    </a:tc>
+                    <a:extLst>
+                      <a:ext uri="{0D108BD9-81ED-4DB2-BD59-A6C34878D82A}">
+                        <a16:rowId xmlns:a16="http://schemas.microsoft.com/office/drawing/2014/main" val="468880759"/>
+                      </a:ext>
+                    </a:extLst>
+                  </a:tr>
+                </a:tbl>
+              </a:graphicData>
+            </a:graphic>
+          </p:graphicFrame>
+        </mc:Choice>
+        <mc:Fallback xmlns="">
+          <p:graphicFrame>
+            <p:nvGraphicFramePr>
+              <p:cNvPr id="4" name="Table 4">
+                <a:extLst>
+                  <a:ext uri="{FF2B5EF4-FFF2-40B4-BE49-F238E27FC236}">
+                    <a16:creationId xmlns:a16="http://schemas.microsoft.com/office/drawing/2014/main" id="{574E3754-BEA0-2FE7-17B9-DBD1C96697FC}"/>
+                  </a:ext>
+                </a:extLst>
+              </p:cNvPr>
+              <p:cNvGraphicFramePr>
+                <a:graphicFrameLocks noGrp="1"/>
+              </p:cNvGraphicFramePr>
+              <p:nvPr>
+                <p:extLst>
+                  <p:ext uri="{D42A27DB-BD31-4B8C-83A1-F6EECF244321}">
+                    <p14:modId xmlns:p14="http://schemas.microsoft.com/office/powerpoint/2010/main" val="860356954"/>
+                  </p:ext>
+                </p:extLst>
+              </p:nvPr>
+            </p:nvGraphicFramePr>
+            <p:xfrm>
+              <a:off x="685800" y="3200400"/>
+              <a:ext cx="8229600" cy="2596960"/>
+            </p:xfrm>
+            <a:graphic>
+              <a:graphicData uri="http://schemas.openxmlformats.org/drawingml/2006/table">
+                <a:tbl>
+                  <a:tblPr firstRow="1" bandRow="1">
+                    <a:tableStyleId>{5C22544A-7EE6-4342-B048-85BDC9FD1C3A}</a:tableStyleId>
+                  </a:tblPr>
+                  <a:tblGrid>
+                    <a:gridCol w="1645920">
+                      <a:extLst>
+                        <a:ext uri="{9D8B030D-6E8A-4147-A177-3AD203B41FA5}">
+                          <a16:colId xmlns:a16="http://schemas.microsoft.com/office/drawing/2014/main" val="924118694"/>
+                        </a:ext>
+                      </a:extLst>
+                    </a:gridCol>
+                    <a:gridCol w="1645920">
+                      <a:extLst>
+                        <a:ext uri="{9D8B030D-6E8A-4147-A177-3AD203B41FA5}">
+                          <a16:colId xmlns:a16="http://schemas.microsoft.com/office/drawing/2014/main" val="3618698955"/>
+                        </a:ext>
+                      </a:extLst>
+                    </a:gridCol>
+                    <a:gridCol w="1965960">
+                      <a:extLst>
+                        <a:ext uri="{9D8B030D-6E8A-4147-A177-3AD203B41FA5}">
+                          <a16:colId xmlns:a16="http://schemas.microsoft.com/office/drawing/2014/main" val="339355054"/>
+                        </a:ext>
+                      </a:extLst>
+                    </a:gridCol>
+                    <a:gridCol w="1143000">
+                      <a:extLst>
+                        <a:ext uri="{9D8B030D-6E8A-4147-A177-3AD203B41FA5}">
+                          <a16:colId xmlns:a16="http://schemas.microsoft.com/office/drawing/2014/main" val="794337173"/>
+                        </a:ext>
+                      </a:extLst>
+                    </a:gridCol>
+                    <a:gridCol w="1828800">
+                      <a:extLst>
+                        <a:ext uri="{9D8B030D-6E8A-4147-A177-3AD203B41FA5}">
+                          <a16:colId xmlns:a16="http://schemas.microsoft.com/office/drawing/2014/main" val="3599509403"/>
+                        </a:ext>
+                      </a:extLst>
+                    </a:gridCol>
+                  </a:tblGrid>
+                  <a:tr h="371920">
+                    <a:tc>
+                      <a:txBody>
+                        <a:bodyPr/>
+                        <a:lstStyle/>
+                        <a:p>
+                          <a:pPr marL="0" marR="0" lvl="0" indent="0" algn="ctr" defTabSz="914400" rtl="0" eaLnBrk="1" fontAlgn="auto" latinLnBrk="0" hangingPunct="1">
+                            <a:lnSpc>
+                              <a:spcPct val="100000"/>
+                            </a:lnSpc>
+                            <a:spcBef>
+                              <a:spcPts val="0"/>
+                            </a:spcBef>
+                            <a:spcAft>
+                              <a:spcPts val="0"/>
+                            </a:spcAft>
+                            <a:buClrTx/>
+                            <a:buSzTx/>
+                            <a:buFontTx/>
+                            <a:buNone/>
+                            <a:tabLst/>
+                            <a:defRPr/>
+                          </a:pPr>
+                          <a:r>
+                            <a:rPr lang="en-US" dirty="0"/>
+                            <a:t>b[</a:t>
+                          </a:r>
+                          <a:r>
+                            <a:rPr lang="en-US" dirty="0" err="1"/>
+                            <a:t>i</a:t>
+                          </a:r>
+                          <a:r>
+                            <a:rPr lang="en-US" dirty="0"/>
+                            <a:t>]</a:t>
+                          </a:r>
+                        </a:p>
+                      </a:txBody>
+                      <a:tcPr/>
+                    </a:tc>
+                    <a:tc>
+                      <a:txBody>
+                        <a:bodyPr/>
+                        <a:lstStyle/>
+                        <a:p>
+                          <a:endParaRPr lang="en-US"/>
+                        </a:p>
+                      </a:txBody>
+                      <a:tcPr>
+                        <a:blipFill>
+                          <a:blip r:embed="rId2"/>
+                          <a:stretch>
+                            <a:fillRect l="-100370" t="-8197" r="-301852" b="-622951"/>
+                          </a:stretch>
+                        </a:blipFill>
+                      </a:tcPr>
+                    </a:tc>
+                    <a:tc>
+                      <a:txBody>
+                        <a:bodyPr/>
+                        <a:lstStyle/>
+                        <a:p>
+                          <a:pPr marL="0" marR="0" lvl="0" indent="0" algn="ctr" defTabSz="914400" rtl="0" eaLnBrk="1" fontAlgn="auto" latinLnBrk="0" hangingPunct="1">
+                            <a:lnSpc>
+                              <a:spcPct val="100000"/>
+                            </a:lnSpc>
+                            <a:spcBef>
+                              <a:spcPts val="0"/>
+                            </a:spcBef>
+                            <a:spcAft>
+                              <a:spcPts val="0"/>
+                            </a:spcAft>
+                            <a:buClrTx/>
+                            <a:buSzTx/>
+                            <a:buFontTx/>
+                            <a:buNone/>
+                            <a:tabLst/>
+                            <a:defRPr/>
+                          </a:pPr>
+                          <a:r>
+                            <a:rPr lang="en-US" dirty="0"/>
+                            <a:t>p = p mod 341</a:t>
+                          </a:r>
+                        </a:p>
+                      </a:txBody>
+                      <a:tcPr/>
+                    </a:tc>
+                    <a:tc>
+                      <a:txBody>
+                        <a:bodyPr/>
+                        <a:lstStyle/>
+                        <a:p>
+                          <a:pPr algn="ctr"/>
+                          <a:r>
+                            <a:rPr lang="en-US" dirty="0"/>
+                            <a:t>P*122</a:t>
+                          </a:r>
+                        </a:p>
+                      </a:txBody>
+                      <a:tcPr/>
+                    </a:tc>
+                    <a:tc>
+                      <a:txBody>
+                        <a:bodyPr/>
+                        <a:lstStyle/>
+                        <a:p>
+                          <a:pPr algn="ctr"/>
+                          <a:r>
+                            <a:rPr lang="en-US" dirty="0"/>
+                            <a:t>p = mod 341</a:t>
+                          </a:r>
+                        </a:p>
+                      </a:txBody>
+                      <a:tcPr/>
+                    </a:tc>
+                    <a:extLst>
+                      <a:ext uri="{0D108BD9-81ED-4DB2-BD59-A6C34878D82A}">
+                        <a16:rowId xmlns:a16="http://schemas.microsoft.com/office/drawing/2014/main" val="2019775434"/>
+                      </a:ext>
+                    </a:extLst>
+                  </a:tr>
+                  <a:tr h="370840">
+                    <a:tc>
+                      <a:txBody>
+                        <a:bodyPr/>
+                        <a:lstStyle/>
+                        <a:p>
+                          <a:pPr algn="ctr"/>
+                          <a:r>
+                            <a:rPr lang="en-US" dirty="0"/>
+                            <a:t>1</a:t>
+                          </a:r>
+                        </a:p>
+                      </a:txBody>
+                      <a:tcPr/>
+                    </a:tc>
+                    <a:tc>
+                      <a:txBody>
+                        <a:bodyPr/>
+                        <a:lstStyle/>
+                        <a:p>
+                          <a:pPr algn="ctr"/>
+                          <a:r>
+                            <a:rPr lang="en-US" dirty="0"/>
+                            <a:t>1</a:t>
+                          </a:r>
+                        </a:p>
+                      </a:txBody>
+                      <a:tcPr/>
+                    </a:tc>
+                    <a:tc>
+                      <a:txBody>
+                        <a:bodyPr/>
+                        <a:lstStyle/>
+                        <a:p>
+                          <a:pPr algn="ctr"/>
+                          <a:r>
+                            <a:rPr lang="en-US" dirty="0"/>
+                            <a:t>1</a:t>
+                          </a:r>
+                        </a:p>
+                      </a:txBody>
+                      <a:tcPr/>
+                    </a:tc>
+                    <a:tc>
+                      <a:txBody>
+                        <a:bodyPr/>
+                        <a:lstStyle/>
+                        <a:p>
+                          <a:pPr algn="ctr"/>
+                          <a:r>
+                            <a:rPr lang="en-US" dirty="0"/>
+                            <a:t>122</a:t>
+                          </a:r>
+                        </a:p>
+                      </a:txBody>
+                      <a:tcPr/>
+                    </a:tc>
+                    <a:tc>
+                      <a:txBody>
+                        <a:bodyPr/>
+                        <a:lstStyle/>
+                        <a:p>
+                          <a:pPr algn="ctr"/>
+                          <a:r>
+                            <a:rPr lang="en-US" dirty="0"/>
+                            <a:t>122</a:t>
+                          </a:r>
+                        </a:p>
+                      </a:txBody>
+                      <a:tcPr/>
+                    </a:tc>
+                    <a:extLst>
+                      <a:ext uri="{0D108BD9-81ED-4DB2-BD59-A6C34878D82A}">
+                        <a16:rowId xmlns:a16="http://schemas.microsoft.com/office/drawing/2014/main" val="4096367141"/>
+                      </a:ext>
+                    </a:extLst>
+                  </a:tr>
+                  <a:tr h="370840">
+                    <a:tc>
+                      <a:txBody>
+                        <a:bodyPr/>
+                        <a:lstStyle/>
+                        <a:p>
+                          <a:pPr algn="ctr"/>
+                          <a:r>
+                            <a:rPr lang="en-US" dirty="0"/>
+                            <a:t>1</a:t>
+                          </a:r>
+                        </a:p>
+                      </a:txBody>
+                      <a:tcPr/>
+                    </a:tc>
+                    <a:tc>
+                      <a:txBody>
+                        <a:bodyPr/>
+                        <a:lstStyle/>
+                        <a:p>
+                          <a:pPr algn="ctr"/>
+                          <a:r>
+                            <a:rPr lang="en-US" dirty="0"/>
+                            <a:t>14884</a:t>
+                          </a:r>
+                        </a:p>
+                      </a:txBody>
+                      <a:tcPr/>
+                    </a:tc>
+                    <a:tc>
+                      <a:txBody>
+                        <a:bodyPr/>
+                        <a:lstStyle/>
+                        <a:p>
+                          <a:pPr algn="ctr"/>
+                          <a:r>
+                            <a:rPr lang="en-US" dirty="0"/>
+                            <a:t>221</a:t>
+                          </a:r>
+                        </a:p>
+                      </a:txBody>
+                      <a:tcPr/>
+                    </a:tc>
+                    <a:tc>
+                      <a:txBody>
+                        <a:bodyPr/>
+                        <a:lstStyle/>
+                        <a:p>
+                          <a:pPr algn="ctr"/>
+                          <a:r>
+                            <a:rPr lang="en-US" dirty="0"/>
+                            <a:t>26962</a:t>
+                          </a:r>
+                        </a:p>
+                      </a:txBody>
+                      <a:tcPr/>
+                    </a:tc>
+                    <a:tc>
+                      <a:txBody>
+                        <a:bodyPr/>
+                        <a:lstStyle/>
+                        <a:p>
+                          <a:pPr algn="ctr"/>
+                          <a:r>
+                            <a:rPr lang="en-US" dirty="0"/>
+                            <a:t>23</a:t>
+                          </a:r>
+                        </a:p>
+                      </a:txBody>
+                      <a:tcPr/>
+                    </a:tc>
+                    <a:extLst>
+                      <a:ext uri="{0D108BD9-81ED-4DB2-BD59-A6C34878D82A}">
+                        <a16:rowId xmlns:a16="http://schemas.microsoft.com/office/drawing/2014/main" val="2960676159"/>
+                      </a:ext>
+                    </a:extLst>
+                  </a:tr>
+                  <a:tr h="370840">
+                    <a:tc>
+                      <a:txBody>
+                        <a:bodyPr/>
+                        <a:lstStyle/>
+                        <a:p>
+                          <a:pPr algn="ctr"/>
+                          <a:r>
+                            <a:rPr lang="en-US" dirty="0"/>
+                            <a:t>0</a:t>
+                          </a:r>
+                        </a:p>
+                      </a:txBody>
+                      <a:tcPr/>
+                    </a:tc>
+                    <a:tc>
+                      <a:txBody>
+                        <a:bodyPr/>
+                        <a:lstStyle/>
+                        <a:p>
+                          <a:pPr algn="ctr"/>
+                          <a:r>
+                            <a:rPr lang="en-US" dirty="0"/>
+                            <a:t>529</a:t>
+                          </a:r>
+                        </a:p>
+                      </a:txBody>
+                      <a:tcPr/>
+                    </a:tc>
+                    <a:tc>
+                      <a:txBody>
+                        <a:bodyPr/>
+                        <a:lstStyle/>
+                        <a:p>
+                          <a:pPr algn="ctr"/>
+                          <a:r>
+                            <a:rPr lang="en-US" dirty="0"/>
+                            <a:t>188</a:t>
+                          </a:r>
+                        </a:p>
+                      </a:txBody>
+                      <a:tcPr/>
+                    </a:tc>
+                    <a:tc>
+                      <a:txBody>
+                        <a:bodyPr/>
+                        <a:lstStyle/>
+                        <a:p>
+                          <a:pPr algn="ctr"/>
+                          <a:endParaRPr lang="en-US" dirty="0"/>
+                        </a:p>
+                      </a:txBody>
+                      <a:tcPr/>
+                    </a:tc>
+                    <a:tc>
+                      <a:txBody>
+                        <a:bodyPr/>
+                        <a:lstStyle/>
+                        <a:p>
+                          <a:pPr algn="ctr"/>
+                          <a:r>
+                            <a:rPr lang="en-US" dirty="0"/>
+                            <a:t>188</a:t>
+                          </a:r>
+                        </a:p>
+                      </a:txBody>
+                      <a:tcPr/>
+                    </a:tc>
+                    <a:extLst>
+                      <a:ext uri="{0D108BD9-81ED-4DB2-BD59-A6C34878D82A}">
+                        <a16:rowId xmlns:a16="http://schemas.microsoft.com/office/drawing/2014/main" val="2184221181"/>
+                      </a:ext>
+                    </a:extLst>
+                  </a:tr>
+                  <a:tr h="370840">
+                    <a:tc>
+                      <a:txBody>
+                        <a:bodyPr/>
+                        <a:lstStyle/>
+                        <a:p>
+                          <a:pPr algn="ctr"/>
+                          <a:r>
+                            <a:rPr lang="en-US" dirty="0"/>
+                            <a:t>1</a:t>
+                          </a:r>
+                        </a:p>
+                      </a:txBody>
+                      <a:tcPr/>
+                    </a:tc>
+                    <a:tc>
+                      <a:txBody>
+                        <a:bodyPr/>
+                        <a:lstStyle/>
+                        <a:p>
+                          <a:pPr algn="ctr"/>
+                          <a:r>
+                            <a:rPr lang="en-US" dirty="0"/>
+                            <a:t>35341</a:t>
+                          </a:r>
+                        </a:p>
+                      </a:txBody>
+                      <a:tcPr/>
+                    </a:tc>
+                    <a:tc>
+                      <a:txBody>
+                        <a:bodyPr/>
+                        <a:lstStyle/>
+                        <a:p>
+                          <a:pPr algn="ctr"/>
+                          <a:r>
+                            <a:rPr lang="en-US" dirty="0"/>
+                            <a:t>221</a:t>
+                          </a:r>
+                        </a:p>
+                      </a:txBody>
+                      <a:tcPr/>
+                    </a:tc>
+                    <a:tc>
+                      <a:txBody>
+                        <a:bodyPr/>
+                        <a:lstStyle/>
+                        <a:p>
+                          <a:pPr algn="ctr"/>
+                          <a:r>
+                            <a:rPr lang="en-US" dirty="0"/>
+                            <a:t>26962</a:t>
+                          </a:r>
+                        </a:p>
+                      </a:txBody>
+                      <a:tcPr/>
+                    </a:tc>
+                    <a:tc>
+                      <a:txBody>
+                        <a:bodyPr/>
+                        <a:lstStyle/>
+                        <a:p>
+                          <a:pPr algn="ctr"/>
+                          <a:r>
+                            <a:rPr lang="en-US" dirty="0"/>
+                            <a:t>23</a:t>
+                          </a:r>
+                        </a:p>
+                      </a:txBody>
+                      <a:tcPr/>
+                    </a:tc>
+                    <a:extLst>
+                      <a:ext uri="{0D108BD9-81ED-4DB2-BD59-A6C34878D82A}">
+                        <a16:rowId xmlns:a16="http://schemas.microsoft.com/office/drawing/2014/main" val="54889891"/>
+                      </a:ext>
+                    </a:extLst>
+                  </a:tr>
+                  <a:tr h="370840">
+                    <a:tc>
+                      <a:txBody>
+                        <a:bodyPr/>
+                        <a:lstStyle/>
+                        <a:p>
+                          <a:pPr algn="ctr"/>
+                          <a:r>
+                            <a:rPr lang="en-US" dirty="0"/>
+                            <a:t>0</a:t>
+                          </a:r>
+                        </a:p>
+                      </a:txBody>
+                      <a:tcPr/>
+                    </a:tc>
+                    <a:tc>
+                      <a:txBody>
+                        <a:bodyPr/>
+                        <a:lstStyle/>
+                        <a:p>
+                          <a:pPr algn="ctr"/>
+                          <a:r>
+                            <a:rPr lang="en-US" dirty="0"/>
+                            <a:t>529</a:t>
+                          </a:r>
+                        </a:p>
+                      </a:txBody>
+                      <a:tcPr/>
+                    </a:tc>
+                    <a:tc>
+                      <a:txBody>
+                        <a:bodyPr/>
+                        <a:lstStyle/>
+                        <a:p>
+                          <a:pPr algn="ctr"/>
+                          <a:r>
+                            <a:rPr lang="en-US" dirty="0"/>
+                            <a:t>188</a:t>
+                          </a:r>
+                        </a:p>
+                      </a:txBody>
+                      <a:tcPr/>
+                    </a:tc>
+                    <a:tc>
+                      <a:txBody>
+                        <a:bodyPr/>
+                        <a:lstStyle/>
+                        <a:p>
+                          <a:pPr algn="ctr"/>
+                          <a:endParaRPr lang="en-US" dirty="0"/>
+                        </a:p>
+                      </a:txBody>
+                      <a:tcPr/>
+                    </a:tc>
+                    <a:tc>
+                      <a:txBody>
+                        <a:bodyPr/>
+                        <a:lstStyle/>
+                        <a:p>
+                          <a:pPr algn="ctr"/>
+                          <a:r>
+                            <a:rPr lang="en-US" dirty="0"/>
+                            <a:t>188</a:t>
+                          </a:r>
+                        </a:p>
+                      </a:txBody>
+                      <a:tcPr/>
+                    </a:tc>
+                    <a:extLst>
+                      <a:ext uri="{0D108BD9-81ED-4DB2-BD59-A6C34878D82A}">
+                        <a16:rowId xmlns:a16="http://schemas.microsoft.com/office/drawing/2014/main" val="3609763646"/>
+                      </a:ext>
+                    </a:extLst>
+                  </a:tr>
+                  <a:tr h="370840">
+                    <a:tc>
+                      <a:txBody>
+                        <a:bodyPr/>
+                        <a:lstStyle/>
+                        <a:p>
+                          <a:pPr algn="ctr"/>
+                          <a:r>
+                            <a:rPr lang="en-US" dirty="0"/>
+                            <a:t>1</a:t>
+                          </a:r>
+                        </a:p>
+                      </a:txBody>
+                      <a:tcPr/>
+                    </a:tc>
+                    <a:tc>
+                      <a:txBody>
+                        <a:bodyPr/>
+                        <a:lstStyle/>
+                        <a:p>
+                          <a:pPr algn="ctr"/>
+                          <a:r>
+                            <a:rPr lang="en-US" dirty="0"/>
+                            <a:t>35341</a:t>
+                          </a:r>
+                        </a:p>
+                      </a:txBody>
+                      <a:tcPr/>
+                    </a:tc>
+                    <a:tc>
+                      <a:txBody>
+                        <a:bodyPr/>
+                        <a:lstStyle/>
+                        <a:p>
+                          <a:pPr algn="ctr"/>
+                          <a:r>
+                            <a:rPr lang="en-US" dirty="0"/>
+                            <a:t>221</a:t>
+                          </a:r>
+                        </a:p>
+                      </a:txBody>
+                      <a:tcPr/>
+                    </a:tc>
+                    <a:tc>
+                      <a:txBody>
+                        <a:bodyPr/>
+                        <a:lstStyle/>
+                        <a:p>
+                          <a:pPr algn="ctr"/>
+                          <a:r>
+                            <a:rPr lang="en-US" dirty="0"/>
+                            <a:t>26962</a:t>
+                          </a:r>
+                        </a:p>
+                      </a:txBody>
+                      <a:tcPr/>
+                    </a:tc>
+                    <a:tc>
+                      <a:txBody>
+                        <a:bodyPr/>
+                        <a:lstStyle/>
+                        <a:p>
+                          <a:pPr algn="ctr"/>
+                          <a:r>
+                            <a:rPr lang="en-US" dirty="0"/>
+                            <a:t>23</a:t>
+                          </a:r>
+                        </a:p>
+                      </a:txBody>
+                      <a:tcPr/>
+                    </a:tc>
+                    <a:extLst>
+                      <a:ext uri="{0D108BD9-81ED-4DB2-BD59-A6C34878D82A}">
+                        <a16:rowId xmlns:a16="http://schemas.microsoft.com/office/drawing/2014/main" val="468880759"/>
+                      </a:ext>
+                    </a:extLst>
+                  </a:tr>
+                </a:tbl>
+              </a:graphicData>
+            </a:graphic>
+          </p:graphicFrame>
+        </mc:Fallback>
+      </mc:AlternateContent>
+    </p:spTree>
+    <p:extLst>
+      <p:ext uri="{BB962C8B-B14F-4D97-AF65-F5344CB8AC3E}">
+        <p14:creationId xmlns:p14="http://schemas.microsoft.com/office/powerpoint/2010/main" val="220420194"/>
+      </p:ext>
+    </p:extLst>
+  </p:cSld>
+  <p:clrMapOvr>
+    <a:masterClrMapping/>
+  </p:clrMapOvr>
+</p:sld>
+</file>
+
+<file path=ppt/slides/slide15.xml><?xml version="1.0" encoding="utf-8"?>
 <p:sld xmlns:a="http://schemas.openxmlformats.org/drawingml/2006/main" xmlns:r="http://schemas.openxmlformats.org/officeDocument/2006/relationships" xmlns:p="http://schemas.openxmlformats.org/presentationml/2006/main">
   <p:cSld>
     <p:spTree>
@@ -8877,7 +11458,7 @@
 </p:sld>
 </file>
 
-<file path=ppt/slides/slide15.xml><?xml version="1.0" encoding="utf-8"?>
+<file path=ppt/slides/slide16.xml><?xml version="1.0" encoding="utf-8"?>
 <p:sld xmlns:a="http://schemas.openxmlformats.org/drawingml/2006/main" xmlns:r="http://schemas.openxmlformats.org/officeDocument/2006/relationships" xmlns:p="http://schemas.openxmlformats.org/presentationml/2006/main">
   <p:cSld>
     <p:spTree>
@@ -9090,7 +11671,7 @@
 </p:sld>
 </file>
 
-<file path=ppt/slides/slide16.xml><?xml version="1.0" encoding="utf-8"?>
+<file path=ppt/slides/slide17.xml><?xml version="1.0" encoding="utf-8"?>
 <p:sld xmlns:a="http://schemas.openxmlformats.org/drawingml/2006/main" xmlns:r="http://schemas.openxmlformats.org/officeDocument/2006/relationships" xmlns:p="http://schemas.openxmlformats.org/presentationml/2006/main">
   <p:cSld>
     <p:spTree>
@@ -9820,7 +12401,7 @@
 </p:sld>
 </file>
 
-<file path=ppt/slides/slide17.xml><?xml version="1.0" encoding="utf-8"?>
+<file path=ppt/slides/slide18.xml><?xml version="1.0" encoding="utf-8"?>
 <p:sld xmlns:a="http://schemas.openxmlformats.org/drawingml/2006/main" xmlns:r="http://schemas.openxmlformats.org/officeDocument/2006/relationships" xmlns:p="http://schemas.openxmlformats.org/presentationml/2006/main">
   <p:cSld>
     <p:spTree>
@@ -10895,7 +13476,7 @@
 </p:sld>
 </file>
 
-<file path=ppt/slides/slide18.xml><?xml version="1.0" encoding="utf-8"?>
+<file path=ppt/slides/slide19.xml><?xml version="1.0" encoding="utf-8"?>
 <p:sld xmlns:a="http://schemas.openxmlformats.org/drawingml/2006/main" xmlns:r="http://schemas.openxmlformats.org/officeDocument/2006/relationships" xmlns:p="http://schemas.openxmlformats.org/presentationml/2006/main">
   <p:cSld>
     <p:spTree>
@@ -11072,7 +13653,776 @@
 </p:sld>
 </file>
 
-<file path=ppt/slides/slide19.xml><?xml version="1.0" encoding="utf-8"?>
+<file path=ppt/slides/slide2.xml><?xml version="1.0" encoding="utf-8"?>
+<p:sld xmlns:a="http://schemas.openxmlformats.org/drawingml/2006/main" xmlns:r="http://schemas.openxmlformats.org/officeDocument/2006/relationships" xmlns:p="http://schemas.openxmlformats.org/presentationml/2006/main">
+  <p:cSld>
+    <p:spTree>
+      <p:nvGrpSpPr>
+        <p:cNvPr id="1" name=""/>
+        <p:cNvGrpSpPr/>
+        <p:nvPr/>
+      </p:nvGrpSpPr>
+      <p:grpSpPr>
+        <a:xfrm>
+          <a:off x="0" y="0"/>
+          <a:ext cx="0" cy="0"/>
+          <a:chOff x="0" y="0"/>
+          <a:chExt cx="0" cy="0"/>
+        </a:xfrm>
+      </p:grpSpPr>
+      <p:sp>
+        <p:nvSpPr>
+          <p:cNvPr id="2" name="Content Placeholder 1"/>
+          <p:cNvSpPr>
+            <a:spLocks noGrp="1"/>
+          </p:cNvSpPr>
+          <p:nvPr>
+            <p:ph idx="1"/>
+          </p:nvPr>
+        </p:nvSpPr>
+        <p:spPr>
+          <a:xfrm>
+            <a:off x="457200" y="1981200"/>
+            <a:ext cx="8229600" cy="3886200"/>
+          </a:xfrm>
+        </p:spPr>
+        <p:txBody>
+          <a:bodyPr/>
+          <a:lstStyle/>
+          <a:p>
+            <a:pPr marL="1150938" indent="-574675">
+              <a:buFont typeface="Wingdings" pitchFamily="2" charset="2"/>
+              <a:buChar char="Ø"/>
+            </a:pPr>
+            <a:r>
+              <a:rPr lang="en-US" dirty="0" err="1">
+                <a:latin typeface="Arial" pitchFamily="34" charset="0"/>
+                <a:cs typeface="Arial" pitchFamily="34" charset="0"/>
+              </a:rPr>
+              <a:t>Giới</a:t>
+            </a:r>
+            <a:r>
+              <a:rPr lang="en-US" dirty="0">
+                <a:latin typeface="Arial" pitchFamily="34" charset="0"/>
+                <a:cs typeface="Arial" pitchFamily="34" charset="0"/>
+              </a:rPr>
+              <a:t> </a:t>
+            </a:r>
+            <a:r>
+              <a:rPr lang="en-US" dirty="0" err="1">
+                <a:latin typeface="Arial" pitchFamily="34" charset="0"/>
+                <a:cs typeface="Arial" pitchFamily="34" charset="0"/>
+              </a:rPr>
+              <a:t>thiệu</a:t>
+            </a:r>
+            <a:r>
+              <a:rPr lang="en-US" dirty="0">
+                <a:latin typeface="Arial" pitchFamily="34" charset="0"/>
+                <a:cs typeface="Arial" pitchFamily="34" charset="0"/>
+              </a:rPr>
+              <a:t> </a:t>
+            </a:r>
+            <a:r>
+              <a:rPr lang="en-US" dirty="0" err="1">
+                <a:latin typeface="Arial" pitchFamily="34" charset="0"/>
+                <a:cs typeface="Arial" pitchFamily="34" charset="0"/>
+              </a:rPr>
+              <a:t>về</a:t>
+            </a:r>
+            <a:r>
+              <a:rPr lang="en-US" dirty="0">
+                <a:latin typeface="Arial" pitchFamily="34" charset="0"/>
+                <a:cs typeface="Arial" pitchFamily="34" charset="0"/>
+              </a:rPr>
+              <a:t> </a:t>
+            </a:r>
+            <a:r>
+              <a:rPr lang="en-US" dirty="0" err="1">
+                <a:latin typeface="Arial" pitchFamily="34" charset="0"/>
+                <a:cs typeface="Arial" pitchFamily="34" charset="0"/>
+              </a:rPr>
+              <a:t>hệ</a:t>
+            </a:r>
+            <a:r>
+              <a:rPr lang="en-US" dirty="0">
+                <a:latin typeface="Arial" pitchFamily="34" charset="0"/>
+                <a:cs typeface="Arial" pitchFamily="34" charset="0"/>
+              </a:rPr>
+              <a:t> </a:t>
+            </a:r>
+            <a:r>
+              <a:rPr lang="en-US" dirty="0" err="1">
+                <a:latin typeface="Arial" pitchFamily="34" charset="0"/>
+                <a:cs typeface="Arial" pitchFamily="34" charset="0"/>
+              </a:rPr>
+              <a:t>mã</a:t>
+            </a:r>
+            <a:r>
+              <a:rPr lang="en-US" dirty="0">
+                <a:latin typeface="Arial" pitchFamily="34" charset="0"/>
+                <a:cs typeface="Arial" pitchFamily="34" charset="0"/>
+              </a:rPr>
+              <a:t> </a:t>
+            </a:r>
+            <a:r>
+              <a:rPr lang="en-US" dirty="0" err="1">
+                <a:latin typeface="Arial" pitchFamily="34" charset="0"/>
+                <a:cs typeface="Arial" pitchFamily="34" charset="0"/>
+              </a:rPr>
+              <a:t>hóa</a:t>
+            </a:r>
+            <a:r>
+              <a:rPr lang="en-US" dirty="0">
+                <a:latin typeface="Arial" pitchFamily="34" charset="0"/>
+                <a:cs typeface="Arial" pitchFamily="34" charset="0"/>
+              </a:rPr>
+              <a:t> </a:t>
+            </a:r>
+            <a:r>
+              <a:rPr lang="en-US" dirty="0" err="1">
+                <a:latin typeface="Arial" pitchFamily="34" charset="0"/>
+                <a:cs typeface="Arial" pitchFamily="34" charset="0"/>
+              </a:rPr>
+              <a:t>công</a:t>
+            </a:r>
+            <a:r>
+              <a:rPr lang="en-US" dirty="0">
+                <a:latin typeface="Arial" pitchFamily="34" charset="0"/>
+                <a:cs typeface="Arial" pitchFamily="34" charset="0"/>
+              </a:rPr>
+              <a:t> </a:t>
+            </a:r>
+            <a:r>
+              <a:rPr lang="en-US" dirty="0" err="1">
+                <a:latin typeface="Arial" pitchFamily="34" charset="0"/>
+                <a:cs typeface="Arial" pitchFamily="34" charset="0"/>
+              </a:rPr>
+              <a:t>khai</a:t>
+            </a:r>
+            <a:r>
+              <a:rPr lang="en-US" dirty="0">
+                <a:latin typeface="Arial" pitchFamily="34" charset="0"/>
+                <a:cs typeface="Arial" pitchFamily="34" charset="0"/>
+              </a:rPr>
+              <a:t> RSA</a:t>
+            </a:r>
+          </a:p>
+          <a:p>
+            <a:pPr marL="1150938" indent="-574675">
+              <a:buFont typeface="Wingdings" pitchFamily="2" charset="2"/>
+              <a:buChar char="Ø"/>
+            </a:pPr>
+            <a:r>
+              <a:rPr lang="en-US" dirty="0" err="1">
+                <a:latin typeface="Arial" pitchFamily="34" charset="0"/>
+                <a:cs typeface="Arial" pitchFamily="34" charset="0"/>
+              </a:rPr>
+              <a:t>Các</a:t>
+            </a:r>
+            <a:r>
+              <a:rPr lang="en-US" dirty="0">
+                <a:latin typeface="Arial" pitchFamily="34" charset="0"/>
+                <a:cs typeface="Arial" pitchFamily="34" charset="0"/>
+              </a:rPr>
+              <a:t> </a:t>
+            </a:r>
+            <a:r>
+              <a:rPr lang="en-US" dirty="0" err="1">
+                <a:latin typeface="Arial" pitchFamily="34" charset="0"/>
+                <a:cs typeface="Arial" pitchFamily="34" charset="0"/>
+              </a:rPr>
+              <a:t>thành</a:t>
+            </a:r>
+            <a:r>
+              <a:rPr lang="en-US" dirty="0">
+                <a:latin typeface="Arial" pitchFamily="34" charset="0"/>
+                <a:cs typeface="Arial" pitchFamily="34" charset="0"/>
+              </a:rPr>
+              <a:t> </a:t>
+            </a:r>
+            <a:r>
+              <a:rPr lang="en-US" dirty="0" err="1">
+                <a:latin typeface="Arial" pitchFamily="34" charset="0"/>
+                <a:cs typeface="Arial" pitchFamily="34" charset="0"/>
+              </a:rPr>
+              <a:t>của</a:t>
+            </a:r>
+            <a:r>
+              <a:rPr lang="en-US" dirty="0">
+                <a:latin typeface="Arial" pitchFamily="34" charset="0"/>
+                <a:cs typeface="Arial" pitchFamily="34" charset="0"/>
+              </a:rPr>
+              <a:t> </a:t>
+            </a:r>
+            <a:r>
+              <a:rPr lang="en-US" dirty="0" err="1">
+                <a:latin typeface="Arial" pitchFamily="34" charset="0"/>
+                <a:cs typeface="Arial" pitchFamily="34" charset="0"/>
+              </a:rPr>
+              <a:t>hệ</a:t>
+            </a:r>
+            <a:r>
+              <a:rPr lang="en-US" dirty="0">
+                <a:latin typeface="Arial" pitchFamily="34" charset="0"/>
+                <a:cs typeface="Arial" pitchFamily="34" charset="0"/>
+              </a:rPr>
+              <a:t> </a:t>
+            </a:r>
+            <a:r>
+              <a:rPr lang="en-US" dirty="0" err="1">
+                <a:latin typeface="Arial" pitchFamily="34" charset="0"/>
+                <a:cs typeface="Arial" pitchFamily="34" charset="0"/>
+              </a:rPr>
+              <a:t>mã</a:t>
+            </a:r>
+            <a:r>
+              <a:rPr lang="en-US" dirty="0">
+                <a:latin typeface="Arial" pitchFamily="34" charset="0"/>
+                <a:cs typeface="Arial" pitchFamily="34" charset="0"/>
+              </a:rPr>
+              <a:t> </a:t>
+            </a:r>
+            <a:r>
+              <a:rPr lang="en-US" dirty="0" err="1">
+                <a:latin typeface="Arial" pitchFamily="34" charset="0"/>
+                <a:cs typeface="Arial" pitchFamily="34" charset="0"/>
+              </a:rPr>
+              <a:t>hóa</a:t>
+            </a:r>
+            <a:r>
+              <a:rPr lang="en-US" dirty="0">
+                <a:latin typeface="Arial" pitchFamily="34" charset="0"/>
+                <a:cs typeface="Arial" pitchFamily="34" charset="0"/>
+              </a:rPr>
+              <a:t> </a:t>
+            </a:r>
+            <a:r>
+              <a:rPr lang="en-US" dirty="0" err="1">
+                <a:latin typeface="Arial" pitchFamily="34" charset="0"/>
+                <a:cs typeface="Arial" pitchFamily="34" charset="0"/>
+              </a:rPr>
+              <a:t>công</a:t>
+            </a:r>
+            <a:r>
+              <a:rPr lang="en-US" dirty="0">
+                <a:latin typeface="Arial" pitchFamily="34" charset="0"/>
+                <a:cs typeface="Arial" pitchFamily="34" charset="0"/>
+              </a:rPr>
+              <a:t> </a:t>
+            </a:r>
+            <a:r>
+              <a:rPr lang="en-US" dirty="0" err="1">
+                <a:latin typeface="Arial" pitchFamily="34" charset="0"/>
+                <a:cs typeface="Arial" pitchFamily="34" charset="0"/>
+              </a:rPr>
+              <a:t>khai</a:t>
+            </a:r>
+            <a:r>
+              <a:rPr lang="en-US" dirty="0">
+                <a:latin typeface="Arial" pitchFamily="34" charset="0"/>
+                <a:cs typeface="Arial" pitchFamily="34" charset="0"/>
+              </a:rPr>
+              <a:t> RSA</a:t>
+            </a:r>
+          </a:p>
+          <a:p>
+            <a:pPr marL="1150938" indent="-574675">
+              <a:buFont typeface="Wingdings" pitchFamily="2" charset="2"/>
+              <a:buChar char="Ø"/>
+            </a:pPr>
+            <a:r>
+              <a:rPr lang="en-US" dirty="0" err="1">
+                <a:latin typeface="Arial" pitchFamily="34" charset="0"/>
+                <a:cs typeface="Arial" pitchFamily="34" charset="0"/>
+              </a:rPr>
+              <a:t>Cách</a:t>
+            </a:r>
+            <a:r>
+              <a:rPr lang="en-US" dirty="0">
+                <a:latin typeface="Arial" pitchFamily="34" charset="0"/>
+                <a:cs typeface="Arial" pitchFamily="34" charset="0"/>
+              </a:rPr>
+              <a:t> </a:t>
+            </a:r>
+            <a:r>
+              <a:rPr lang="en-US" dirty="0" err="1">
+                <a:latin typeface="Arial" pitchFamily="34" charset="0"/>
+                <a:cs typeface="Arial" pitchFamily="34" charset="0"/>
+              </a:rPr>
+              <a:t>tạo</a:t>
+            </a:r>
+            <a:r>
+              <a:rPr lang="en-US" dirty="0">
+                <a:latin typeface="Arial" pitchFamily="34" charset="0"/>
+                <a:cs typeface="Arial" pitchFamily="34" charset="0"/>
+              </a:rPr>
+              <a:t> </a:t>
+            </a:r>
+            <a:r>
+              <a:rPr lang="en-US" dirty="0" err="1">
+                <a:latin typeface="Arial" pitchFamily="34" charset="0"/>
+                <a:cs typeface="Arial" pitchFamily="34" charset="0"/>
+              </a:rPr>
+              <a:t>khóa</a:t>
+            </a:r>
+            <a:r>
+              <a:rPr lang="en-US" dirty="0">
+                <a:latin typeface="Arial" pitchFamily="34" charset="0"/>
+                <a:cs typeface="Arial" pitchFamily="34" charset="0"/>
+              </a:rPr>
+              <a:t> </a:t>
+            </a:r>
+            <a:r>
+              <a:rPr lang="en-US" dirty="0" err="1">
+                <a:latin typeface="Arial" pitchFamily="34" charset="0"/>
+                <a:cs typeface="Arial" pitchFamily="34" charset="0"/>
+              </a:rPr>
+              <a:t>và</a:t>
+            </a:r>
+            <a:r>
+              <a:rPr lang="en-US" dirty="0">
+                <a:latin typeface="Arial" pitchFamily="34" charset="0"/>
+                <a:cs typeface="Arial" pitchFamily="34" charset="0"/>
+              </a:rPr>
+              <a:t> </a:t>
+            </a:r>
+            <a:r>
+              <a:rPr lang="en-US" dirty="0" err="1">
+                <a:latin typeface="Arial" pitchFamily="34" charset="0"/>
+                <a:cs typeface="Arial" pitchFamily="34" charset="0"/>
+              </a:rPr>
+              <a:t>một</a:t>
+            </a:r>
+            <a:r>
+              <a:rPr lang="en-US" dirty="0">
+                <a:latin typeface="Arial" pitchFamily="34" charset="0"/>
+                <a:cs typeface="Arial" pitchFamily="34" charset="0"/>
+              </a:rPr>
+              <a:t> </a:t>
+            </a:r>
+            <a:r>
+              <a:rPr lang="en-US" dirty="0" err="1">
+                <a:latin typeface="Arial" pitchFamily="34" charset="0"/>
+                <a:cs typeface="Arial" pitchFamily="34" charset="0"/>
+              </a:rPr>
+              <a:t>số</a:t>
+            </a:r>
+            <a:r>
+              <a:rPr lang="en-US" dirty="0">
+                <a:latin typeface="Arial" pitchFamily="34" charset="0"/>
+                <a:cs typeface="Arial" pitchFamily="34" charset="0"/>
+              </a:rPr>
+              <a:t> </a:t>
+            </a:r>
+            <a:r>
+              <a:rPr lang="en-US" dirty="0" err="1">
+                <a:latin typeface="Arial" pitchFamily="34" charset="0"/>
+                <a:cs typeface="Arial" pitchFamily="34" charset="0"/>
+              </a:rPr>
+              <a:t>ví</a:t>
+            </a:r>
+            <a:r>
+              <a:rPr lang="en-US" dirty="0">
+                <a:latin typeface="Arial" pitchFamily="34" charset="0"/>
+                <a:cs typeface="Arial" pitchFamily="34" charset="0"/>
+              </a:rPr>
+              <a:t> </a:t>
+            </a:r>
+            <a:r>
+              <a:rPr lang="en-US" dirty="0" err="1">
+                <a:latin typeface="Arial" pitchFamily="34" charset="0"/>
+                <a:cs typeface="Arial" pitchFamily="34" charset="0"/>
+              </a:rPr>
+              <a:t>dụ</a:t>
+            </a:r>
+            <a:r>
+              <a:rPr lang="en-US" dirty="0">
+                <a:latin typeface="Arial" pitchFamily="34" charset="0"/>
+                <a:cs typeface="Arial" pitchFamily="34" charset="0"/>
+              </a:rPr>
+              <a:t> </a:t>
+            </a:r>
+            <a:r>
+              <a:rPr lang="en-US" dirty="0" err="1">
+                <a:latin typeface="Arial" pitchFamily="34" charset="0"/>
+                <a:cs typeface="Arial" pitchFamily="34" charset="0"/>
+              </a:rPr>
+              <a:t>mã</a:t>
+            </a:r>
+            <a:r>
+              <a:rPr lang="en-US" dirty="0">
+                <a:latin typeface="Arial" pitchFamily="34" charset="0"/>
+                <a:cs typeface="Arial" pitchFamily="34" charset="0"/>
+              </a:rPr>
+              <a:t> </a:t>
+            </a:r>
+            <a:r>
+              <a:rPr lang="en-US" dirty="0" err="1">
+                <a:latin typeface="Arial" pitchFamily="34" charset="0"/>
+                <a:cs typeface="Arial" pitchFamily="34" charset="0"/>
+              </a:rPr>
+              <a:t>hóa</a:t>
+            </a:r>
+            <a:r>
+              <a:rPr lang="en-US" dirty="0">
+                <a:latin typeface="Arial" pitchFamily="34" charset="0"/>
+                <a:cs typeface="Arial" pitchFamily="34" charset="0"/>
+              </a:rPr>
+              <a:t> RSA</a:t>
+            </a:r>
+          </a:p>
+          <a:p>
+            <a:pPr marL="1150938" indent="-574675">
+              <a:buFont typeface="Wingdings" pitchFamily="2" charset="2"/>
+              <a:buChar char="Ø"/>
+            </a:pPr>
+            <a:r>
+              <a:rPr lang="en-US" dirty="0" err="1">
+                <a:latin typeface="Arial" pitchFamily="34" charset="0"/>
+                <a:cs typeface="Arial" pitchFamily="34" charset="0"/>
+              </a:rPr>
+              <a:t>Độ</a:t>
+            </a:r>
+            <a:r>
+              <a:rPr lang="en-US" dirty="0">
+                <a:latin typeface="Arial" pitchFamily="34" charset="0"/>
+                <a:cs typeface="Arial" pitchFamily="34" charset="0"/>
+              </a:rPr>
+              <a:t> an </a:t>
+            </a:r>
+            <a:r>
+              <a:rPr lang="en-US" dirty="0" err="1">
+                <a:latin typeface="Arial" pitchFamily="34" charset="0"/>
+                <a:cs typeface="Arial" pitchFamily="34" charset="0"/>
+              </a:rPr>
+              <a:t>toàn</a:t>
+            </a:r>
+            <a:r>
+              <a:rPr lang="en-US" dirty="0">
+                <a:latin typeface="Arial" pitchFamily="34" charset="0"/>
+                <a:cs typeface="Arial" pitchFamily="34" charset="0"/>
+              </a:rPr>
+              <a:t> </a:t>
+            </a:r>
+            <a:r>
+              <a:rPr lang="en-US" dirty="0" err="1">
+                <a:latin typeface="Arial" pitchFamily="34" charset="0"/>
+                <a:cs typeface="Arial" pitchFamily="34" charset="0"/>
+              </a:rPr>
+              <a:t>của</a:t>
+            </a:r>
+            <a:r>
+              <a:rPr lang="en-US" dirty="0">
+                <a:latin typeface="Arial" pitchFamily="34" charset="0"/>
+                <a:cs typeface="Arial" pitchFamily="34" charset="0"/>
+              </a:rPr>
+              <a:t> </a:t>
+            </a:r>
+            <a:r>
+              <a:rPr lang="en-US" dirty="0" err="1">
+                <a:latin typeface="Arial" pitchFamily="34" charset="0"/>
+                <a:cs typeface="Arial" pitchFamily="34" charset="0"/>
+              </a:rPr>
+              <a:t>hệ</a:t>
+            </a:r>
+            <a:r>
+              <a:rPr lang="en-US" dirty="0">
+                <a:latin typeface="Arial" pitchFamily="34" charset="0"/>
+                <a:cs typeface="Arial" pitchFamily="34" charset="0"/>
+              </a:rPr>
+              <a:t> </a:t>
+            </a:r>
+            <a:r>
+              <a:rPr lang="en-US" dirty="0" err="1">
+                <a:latin typeface="Arial" pitchFamily="34" charset="0"/>
+                <a:cs typeface="Arial" pitchFamily="34" charset="0"/>
+              </a:rPr>
+              <a:t>mã</a:t>
+            </a:r>
+            <a:r>
+              <a:rPr lang="en-US" dirty="0">
+                <a:latin typeface="Arial" pitchFamily="34" charset="0"/>
+                <a:cs typeface="Arial" pitchFamily="34" charset="0"/>
+              </a:rPr>
+              <a:t> </a:t>
+            </a:r>
+            <a:r>
+              <a:rPr lang="en-US" dirty="0" err="1">
+                <a:latin typeface="Arial" pitchFamily="34" charset="0"/>
+                <a:cs typeface="Arial" pitchFamily="34" charset="0"/>
+              </a:rPr>
+              <a:t>hóa</a:t>
+            </a:r>
+            <a:r>
+              <a:rPr lang="en-US" dirty="0">
+                <a:latin typeface="Arial" pitchFamily="34" charset="0"/>
+                <a:cs typeface="Arial" pitchFamily="34" charset="0"/>
+              </a:rPr>
+              <a:t> </a:t>
+            </a:r>
+            <a:r>
+              <a:rPr lang="en-US" dirty="0" err="1">
+                <a:latin typeface="Arial" pitchFamily="34" charset="0"/>
+                <a:cs typeface="Arial" pitchFamily="34" charset="0"/>
+              </a:rPr>
+              <a:t>công</a:t>
+            </a:r>
+            <a:r>
+              <a:rPr lang="en-US" dirty="0">
+                <a:latin typeface="Arial" pitchFamily="34" charset="0"/>
+                <a:cs typeface="Arial" pitchFamily="34" charset="0"/>
+              </a:rPr>
+              <a:t> </a:t>
+            </a:r>
+            <a:r>
+              <a:rPr lang="en-US" dirty="0" err="1">
+                <a:latin typeface="Arial" pitchFamily="34" charset="0"/>
+                <a:cs typeface="Arial" pitchFamily="34" charset="0"/>
+              </a:rPr>
+              <a:t>khai</a:t>
+            </a:r>
+            <a:r>
+              <a:rPr lang="en-US" dirty="0">
+                <a:latin typeface="Arial" pitchFamily="34" charset="0"/>
+                <a:cs typeface="Arial" pitchFamily="34" charset="0"/>
+              </a:rPr>
+              <a:t> RSA</a:t>
+            </a:r>
+          </a:p>
+          <a:p>
+            <a:pPr marL="1150938" indent="-574675">
+              <a:buFont typeface="Wingdings" pitchFamily="2" charset="2"/>
+              <a:buChar char="Ø"/>
+            </a:pPr>
+            <a:r>
+              <a:rPr lang="en-US" dirty="0" err="1">
+                <a:latin typeface="Arial" pitchFamily="34" charset="0"/>
+                <a:cs typeface="Arial" pitchFamily="34" charset="0"/>
+              </a:rPr>
+              <a:t>Ứng</a:t>
+            </a:r>
+            <a:r>
+              <a:rPr lang="en-US" dirty="0">
+                <a:latin typeface="Arial" pitchFamily="34" charset="0"/>
+                <a:cs typeface="Arial" pitchFamily="34" charset="0"/>
+              </a:rPr>
+              <a:t> </a:t>
+            </a:r>
+            <a:r>
+              <a:rPr lang="en-US" dirty="0" err="1">
+                <a:latin typeface="Arial" pitchFamily="34" charset="0"/>
+                <a:cs typeface="Arial" pitchFamily="34" charset="0"/>
+              </a:rPr>
+              <a:t>dụng</a:t>
+            </a:r>
+            <a:r>
+              <a:rPr lang="en-US" dirty="0">
+                <a:latin typeface="Arial" pitchFamily="34" charset="0"/>
+                <a:cs typeface="Arial" pitchFamily="34" charset="0"/>
+              </a:rPr>
+              <a:t> </a:t>
+            </a:r>
+            <a:r>
+              <a:rPr lang="en-US" dirty="0" err="1">
+                <a:latin typeface="Arial" pitchFamily="34" charset="0"/>
+                <a:cs typeface="Arial" pitchFamily="34" charset="0"/>
+              </a:rPr>
+              <a:t>của</a:t>
+            </a:r>
+            <a:r>
+              <a:rPr lang="en-US" dirty="0">
+                <a:latin typeface="Arial" pitchFamily="34" charset="0"/>
+                <a:cs typeface="Arial" pitchFamily="34" charset="0"/>
+              </a:rPr>
+              <a:t> </a:t>
+            </a:r>
+            <a:r>
+              <a:rPr lang="en-US" dirty="0" err="1">
+                <a:latin typeface="Arial" pitchFamily="34" charset="0"/>
+                <a:cs typeface="Arial" pitchFamily="34" charset="0"/>
+              </a:rPr>
+              <a:t>hệ</a:t>
+            </a:r>
+            <a:r>
+              <a:rPr lang="en-US" dirty="0">
+                <a:latin typeface="Arial" pitchFamily="34" charset="0"/>
+                <a:cs typeface="Arial" pitchFamily="34" charset="0"/>
+              </a:rPr>
+              <a:t> </a:t>
+            </a:r>
+            <a:r>
+              <a:rPr lang="en-US" dirty="0" err="1">
+                <a:latin typeface="Arial" pitchFamily="34" charset="0"/>
+                <a:cs typeface="Arial" pitchFamily="34" charset="0"/>
+              </a:rPr>
+              <a:t>mã</a:t>
+            </a:r>
+            <a:r>
+              <a:rPr lang="en-US" dirty="0">
+                <a:latin typeface="Arial" pitchFamily="34" charset="0"/>
+                <a:cs typeface="Arial" pitchFamily="34" charset="0"/>
+              </a:rPr>
+              <a:t> </a:t>
+            </a:r>
+            <a:r>
+              <a:rPr lang="en-US" dirty="0" err="1">
+                <a:latin typeface="Arial" pitchFamily="34" charset="0"/>
+                <a:cs typeface="Arial" pitchFamily="34" charset="0"/>
+              </a:rPr>
+              <a:t>hóa</a:t>
+            </a:r>
+            <a:r>
+              <a:rPr lang="en-US" dirty="0">
+                <a:latin typeface="Arial" pitchFamily="34" charset="0"/>
+                <a:cs typeface="Arial" pitchFamily="34" charset="0"/>
+              </a:rPr>
+              <a:t> RSA</a:t>
+            </a:r>
+          </a:p>
+          <a:p>
+            <a:pPr marL="1150938" indent="-574675">
+              <a:buFont typeface="Wingdings" pitchFamily="2" charset="2"/>
+              <a:buChar char="Ø"/>
+            </a:pPr>
+            <a:r>
+              <a:rPr lang="en-US" dirty="0" err="1">
+                <a:latin typeface="Arial" pitchFamily="34" charset="0"/>
+                <a:cs typeface="Arial" pitchFamily="34" charset="0"/>
+              </a:rPr>
+              <a:t>Nhận</a:t>
+            </a:r>
+            <a:r>
+              <a:rPr lang="en-US" dirty="0">
+                <a:latin typeface="Arial" pitchFamily="34" charset="0"/>
+                <a:cs typeface="Arial" pitchFamily="34" charset="0"/>
+              </a:rPr>
+              <a:t> </a:t>
+            </a:r>
+            <a:r>
+              <a:rPr lang="en-US" dirty="0" err="1">
+                <a:latin typeface="Arial" pitchFamily="34" charset="0"/>
+                <a:cs typeface="Arial" pitchFamily="34" charset="0"/>
+              </a:rPr>
+              <a:t>xét</a:t>
+            </a:r>
+            <a:r>
+              <a:rPr lang="en-US" dirty="0">
+                <a:latin typeface="Arial" pitchFamily="34" charset="0"/>
+                <a:cs typeface="Arial" pitchFamily="34" charset="0"/>
+              </a:rPr>
+              <a:t> </a:t>
+            </a:r>
+            <a:r>
+              <a:rPr lang="en-US" dirty="0" err="1">
+                <a:latin typeface="Arial" pitchFamily="34" charset="0"/>
+                <a:cs typeface="Arial" pitchFamily="34" charset="0"/>
+              </a:rPr>
+              <a:t>và</a:t>
+            </a:r>
+            <a:r>
+              <a:rPr lang="en-US" dirty="0">
+                <a:latin typeface="Arial" pitchFamily="34" charset="0"/>
+                <a:cs typeface="Arial" pitchFamily="34" charset="0"/>
+              </a:rPr>
+              <a:t> </a:t>
+            </a:r>
+            <a:r>
+              <a:rPr lang="en-US" dirty="0" err="1">
+                <a:latin typeface="Arial" pitchFamily="34" charset="0"/>
+                <a:cs typeface="Arial" pitchFamily="34" charset="0"/>
+              </a:rPr>
+              <a:t>kết</a:t>
+            </a:r>
+            <a:r>
+              <a:rPr lang="en-US" dirty="0">
+                <a:latin typeface="Arial" pitchFamily="34" charset="0"/>
+                <a:cs typeface="Arial" pitchFamily="34" charset="0"/>
+              </a:rPr>
+              <a:t> </a:t>
+            </a:r>
+            <a:r>
+              <a:rPr lang="en-US" dirty="0" err="1">
+                <a:latin typeface="Arial" pitchFamily="34" charset="0"/>
+                <a:cs typeface="Arial" pitchFamily="34" charset="0"/>
+              </a:rPr>
+              <a:t>luận</a:t>
+            </a:r>
+            <a:endParaRPr lang="en-US" dirty="0">
+              <a:latin typeface="Arial" pitchFamily="34" charset="0"/>
+              <a:cs typeface="Arial" pitchFamily="34" charset="0"/>
+            </a:endParaRPr>
+          </a:p>
+          <a:p>
+            <a:pPr marL="1150938" indent="-574675">
+              <a:buFont typeface="Wingdings" pitchFamily="2" charset="2"/>
+              <a:buChar char="Ø"/>
+            </a:pPr>
+            <a:r>
+              <a:rPr lang="en-US" dirty="0">
+                <a:latin typeface="Arial" pitchFamily="34" charset="0"/>
+                <a:cs typeface="Arial" pitchFamily="34" charset="0"/>
+              </a:rPr>
+              <a:t>Demo </a:t>
+            </a:r>
+            <a:r>
+              <a:rPr lang="en-US" dirty="0" err="1">
+                <a:latin typeface="Arial" pitchFamily="34" charset="0"/>
+                <a:cs typeface="Arial" pitchFamily="34" charset="0"/>
+              </a:rPr>
+              <a:t>chương</a:t>
+            </a:r>
+            <a:r>
+              <a:rPr lang="en-US" dirty="0">
+                <a:latin typeface="Arial" pitchFamily="34" charset="0"/>
+                <a:cs typeface="Arial" pitchFamily="34" charset="0"/>
+              </a:rPr>
+              <a:t> </a:t>
+            </a:r>
+            <a:r>
+              <a:rPr lang="en-US" dirty="0" err="1">
+                <a:latin typeface="Arial" pitchFamily="34" charset="0"/>
+                <a:cs typeface="Arial" pitchFamily="34" charset="0"/>
+              </a:rPr>
+              <a:t>trình</a:t>
+            </a:r>
+            <a:endParaRPr lang="en-US" dirty="0">
+              <a:latin typeface="Arial" pitchFamily="34" charset="0"/>
+              <a:cs typeface="Arial" pitchFamily="34" charset="0"/>
+            </a:endParaRPr>
+          </a:p>
+        </p:txBody>
+      </p:sp>
+      <p:sp>
+        <p:nvSpPr>
+          <p:cNvPr id="3" name="Title 2"/>
+          <p:cNvSpPr>
+            <a:spLocks noGrp="1"/>
+          </p:cNvSpPr>
+          <p:nvPr>
+            <p:ph type="title"/>
+          </p:nvPr>
+        </p:nvSpPr>
+        <p:spPr/>
+        <p:txBody>
+          <a:bodyPr/>
+          <a:lstStyle/>
+          <a:p>
+            <a:r>
+              <a:rPr lang="en-US" dirty="0"/>
+              <a:t>CÁC NỘI DUNG CHÍNH</a:t>
+            </a:r>
+          </a:p>
+        </p:txBody>
+      </p:sp>
+    </p:spTree>
+  </p:cSld>
+  <p:clrMapOvr>
+    <a:masterClrMapping/>
+  </p:clrMapOvr>
+</p:sld>
+</file>
+
+<file path=ppt/slides/slide20.xml><?xml version="1.0" encoding="utf-8"?>
 <p:sld xmlns:a="http://schemas.openxmlformats.org/drawingml/2006/main" xmlns:r="http://schemas.openxmlformats.org/officeDocument/2006/relationships" xmlns:p="http://schemas.openxmlformats.org/presentationml/2006/main">
   <p:cSld>
     <p:spTree>
@@ -11253,776 +14603,7 @@
 </p:sld>
 </file>
 
-<file path=ppt/slides/slide2.xml><?xml version="1.0" encoding="utf-8"?>
-<p:sld xmlns:a="http://schemas.openxmlformats.org/drawingml/2006/main" xmlns:r="http://schemas.openxmlformats.org/officeDocument/2006/relationships" xmlns:p="http://schemas.openxmlformats.org/presentationml/2006/main">
-  <p:cSld>
-    <p:spTree>
-      <p:nvGrpSpPr>
-        <p:cNvPr id="1" name=""/>
-        <p:cNvGrpSpPr/>
-        <p:nvPr/>
-      </p:nvGrpSpPr>
-      <p:grpSpPr>
-        <a:xfrm>
-          <a:off x="0" y="0"/>
-          <a:ext cx="0" cy="0"/>
-          <a:chOff x="0" y="0"/>
-          <a:chExt cx="0" cy="0"/>
-        </a:xfrm>
-      </p:grpSpPr>
-      <p:sp>
-        <p:nvSpPr>
-          <p:cNvPr id="2" name="Content Placeholder 1"/>
-          <p:cNvSpPr>
-            <a:spLocks noGrp="1"/>
-          </p:cNvSpPr>
-          <p:nvPr>
-            <p:ph idx="1"/>
-          </p:nvPr>
-        </p:nvSpPr>
-        <p:spPr>
-          <a:xfrm>
-            <a:off x="457200" y="1981200"/>
-            <a:ext cx="8229600" cy="3886200"/>
-          </a:xfrm>
-        </p:spPr>
-        <p:txBody>
-          <a:bodyPr/>
-          <a:lstStyle/>
-          <a:p>
-            <a:pPr marL="1150938" indent="-574675">
-              <a:buFont typeface="Wingdings" pitchFamily="2" charset="2"/>
-              <a:buChar char="Ø"/>
-            </a:pPr>
-            <a:r>
-              <a:rPr lang="en-US" dirty="0" err="1">
-                <a:latin typeface="Arial" pitchFamily="34" charset="0"/>
-                <a:cs typeface="Arial" pitchFamily="34" charset="0"/>
-              </a:rPr>
-              <a:t>Giới</a:t>
-            </a:r>
-            <a:r>
-              <a:rPr lang="en-US" dirty="0">
-                <a:latin typeface="Arial" pitchFamily="34" charset="0"/>
-                <a:cs typeface="Arial" pitchFamily="34" charset="0"/>
-              </a:rPr>
-              <a:t> </a:t>
-            </a:r>
-            <a:r>
-              <a:rPr lang="en-US" dirty="0" err="1">
-                <a:latin typeface="Arial" pitchFamily="34" charset="0"/>
-                <a:cs typeface="Arial" pitchFamily="34" charset="0"/>
-              </a:rPr>
-              <a:t>thiệu</a:t>
-            </a:r>
-            <a:r>
-              <a:rPr lang="en-US" dirty="0">
-                <a:latin typeface="Arial" pitchFamily="34" charset="0"/>
-                <a:cs typeface="Arial" pitchFamily="34" charset="0"/>
-              </a:rPr>
-              <a:t> </a:t>
-            </a:r>
-            <a:r>
-              <a:rPr lang="en-US" dirty="0" err="1">
-                <a:latin typeface="Arial" pitchFamily="34" charset="0"/>
-                <a:cs typeface="Arial" pitchFamily="34" charset="0"/>
-              </a:rPr>
-              <a:t>về</a:t>
-            </a:r>
-            <a:r>
-              <a:rPr lang="en-US" dirty="0">
-                <a:latin typeface="Arial" pitchFamily="34" charset="0"/>
-                <a:cs typeface="Arial" pitchFamily="34" charset="0"/>
-              </a:rPr>
-              <a:t> </a:t>
-            </a:r>
-            <a:r>
-              <a:rPr lang="en-US" dirty="0" err="1">
-                <a:latin typeface="Arial" pitchFamily="34" charset="0"/>
-                <a:cs typeface="Arial" pitchFamily="34" charset="0"/>
-              </a:rPr>
-              <a:t>hệ</a:t>
-            </a:r>
-            <a:r>
-              <a:rPr lang="en-US" dirty="0">
-                <a:latin typeface="Arial" pitchFamily="34" charset="0"/>
-                <a:cs typeface="Arial" pitchFamily="34" charset="0"/>
-              </a:rPr>
-              <a:t> </a:t>
-            </a:r>
-            <a:r>
-              <a:rPr lang="en-US" dirty="0" err="1">
-                <a:latin typeface="Arial" pitchFamily="34" charset="0"/>
-                <a:cs typeface="Arial" pitchFamily="34" charset="0"/>
-              </a:rPr>
-              <a:t>mã</a:t>
-            </a:r>
-            <a:r>
-              <a:rPr lang="en-US" dirty="0">
-                <a:latin typeface="Arial" pitchFamily="34" charset="0"/>
-                <a:cs typeface="Arial" pitchFamily="34" charset="0"/>
-              </a:rPr>
-              <a:t> </a:t>
-            </a:r>
-            <a:r>
-              <a:rPr lang="en-US" dirty="0" err="1">
-                <a:latin typeface="Arial" pitchFamily="34" charset="0"/>
-                <a:cs typeface="Arial" pitchFamily="34" charset="0"/>
-              </a:rPr>
-              <a:t>hóa</a:t>
-            </a:r>
-            <a:r>
-              <a:rPr lang="en-US" dirty="0">
-                <a:latin typeface="Arial" pitchFamily="34" charset="0"/>
-                <a:cs typeface="Arial" pitchFamily="34" charset="0"/>
-              </a:rPr>
-              <a:t> </a:t>
-            </a:r>
-            <a:r>
-              <a:rPr lang="en-US" dirty="0" err="1">
-                <a:latin typeface="Arial" pitchFamily="34" charset="0"/>
-                <a:cs typeface="Arial" pitchFamily="34" charset="0"/>
-              </a:rPr>
-              <a:t>công</a:t>
-            </a:r>
-            <a:r>
-              <a:rPr lang="en-US" dirty="0">
-                <a:latin typeface="Arial" pitchFamily="34" charset="0"/>
-                <a:cs typeface="Arial" pitchFamily="34" charset="0"/>
-              </a:rPr>
-              <a:t> </a:t>
-            </a:r>
-            <a:r>
-              <a:rPr lang="en-US" dirty="0" err="1">
-                <a:latin typeface="Arial" pitchFamily="34" charset="0"/>
-                <a:cs typeface="Arial" pitchFamily="34" charset="0"/>
-              </a:rPr>
-              <a:t>khai</a:t>
-            </a:r>
-            <a:r>
-              <a:rPr lang="en-US" dirty="0">
-                <a:latin typeface="Arial" pitchFamily="34" charset="0"/>
-                <a:cs typeface="Arial" pitchFamily="34" charset="0"/>
-              </a:rPr>
-              <a:t> RSA</a:t>
-            </a:r>
-          </a:p>
-          <a:p>
-            <a:pPr marL="1150938" indent="-574675">
-              <a:buFont typeface="Wingdings" pitchFamily="2" charset="2"/>
-              <a:buChar char="Ø"/>
-            </a:pPr>
-            <a:r>
-              <a:rPr lang="en-US" dirty="0" err="1">
-                <a:latin typeface="Arial" pitchFamily="34" charset="0"/>
-                <a:cs typeface="Arial" pitchFamily="34" charset="0"/>
-              </a:rPr>
-              <a:t>Các</a:t>
-            </a:r>
-            <a:r>
-              <a:rPr lang="en-US" dirty="0">
-                <a:latin typeface="Arial" pitchFamily="34" charset="0"/>
-                <a:cs typeface="Arial" pitchFamily="34" charset="0"/>
-              </a:rPr>
-              <a:t> </a:t>
-            </a:r>
-            <a:r>
-              <a:rPr lang="en-US" dirty="0" err="1">
-                <a:latin typeface="Arial" pitchFamily="34" charset="0"/>
-                <a:cs typeface="Arial" pitchFamily="34" charset="0"/>
-              </a:rPr>
-              <a:t>thành</a:t>
-            </a:r>
-            <a:r>
-              <a:rPr lang="en-US" dirty="0">
-                <a:latin typeface="Arial" pitchFamily="34" charset="0"/>
-                <a:cs typeface="Arial" pitchFamily="34" charset="0"/>
-              </a:rPr>
-              <a:t> </a:t>
-            </a:r>
-            <a:r>
-              <a:rPr lang="en-US" dirty="0" err="1">
-                <a:latin typeface="Arial" pitchFamily="34" charset="0"/>
-                <a:cs typeface="Arial" pitchFamily="34" charset="0"/>
-              </a:rPr>
-              <a:t>của</a:t>
-            </a:r>
-            <a:r>
-              <a:rPr lang="en-US" dirty="0">
-                <a:latin typeface="Arial" pitchFamily="34" charset="0"/>
-                <a:cs typeface="Arial" pitchFamily="34" charset="0"/>
-              </a:rPr>
-              <a:t> </a:t>
-            </a:r>
-            <a:r>
-              <a:rPr lang="en-US" dirty="0" err="1">
-                <a:latin typeface="Arial" pitchFamily="34" charset="0"/>
-                <a:cs typeface="Arial" pitchFamily="34" charset="0"/>
-              </a:rPr>
-              <a:t>hệ</a:t>
-            </a:r>
-            <a:r>
-              <a:rPr lang="en-US" dirty="0">
-                <a:latin typeface="Arial" pitchFamily="34" charset="0"/>
-                <a:cs typeface="Arial" pitchFamily="34" charset="0"/>
-              </a:rPr>
-              <a:t> </a:t>
-            </a:r>
-            <a:r>
-              <a:rPr lang="en-US" dirty="0" err="1">
-                <a:latin typeface="Arial" pitchFamily="34" charset="0"/>
-                <a:cs typeface="Arial" pitchFamily="34" charset="0"/>
-              </a:rPr>
-              <a:t>mã</a:t>
-            </a:r>
-            <a:r>
-              <a:rPr lang="en-US" dirty="0">
-                <a:latin typeface="Arial" pitchFamily="34" charset="0"/>
-                <a:cs typeface="Arial" pitchFamily="34" charset="0"/>
-              </a:rPr>
-              <a:t> </a:t>
-            </a:r>
-            <a:r>
-              <a:rPr lang="en-US" dirty="0" err="1">
-                <a:latin typeface="Arial" pitchFamily="34" charset="0"/>
-                <a:cs typeface="Arial" pitchFamily="34" charset="0"/>
-              </a:rPr>
-              <a:t>hóa</a:t>
-            </a:r>
-            <a:r>
-              <a:rPr lang="en-US" dirty="0">
-                <a:latin typeface="Arial" pitchFamily="34" charset="0"/>
-                <a:cs typeface="Arial" pitchFamily="34" charset="0"/>
-              </a:rPr>
-              <a:t> </a:t>
-            </a:r>
-            <a:r>
-              <a:rPr lang="en-US" dirty="0" err="1">
-                <a:latin typeface="Arial" pitchFamily="34" charset="0"/>
-                <a:cs typeface="Arial" pitchFamily="34" charset="0"/>
-              </a:rPr>
-              <a:t>công</a:t>
-            </a:r>
-            <a:r>
-              <a:rPr lang="en-US" dirty="0">
-                <a:latin typeface="Arial" pitchFamily="34" charset="0"/>
-                <a:cs typeface="Arial" pitchFamily="34" charset="0"/>
-              </a:rPr>
-              <a:t> </a:t>
-            </a:r>
-            <a:r>
-              <a:rPr lang="en-US" dirty="0" err="1">
-                <a:latin typeface="Arial" pitchFamily="34" charset="0"/>
-                <a:cs typeface="Arial" pitchFamily="34" charset="0"/>
-              </a:rPr>
-              <a:t>khai</a:t>
-            </a:r>
-            <a:r>
-              <a:rPr lang="en-US" dirty="0">
-                <a:latin typeface="Arial" pitchFamily="34" charset="0"/>
-                <a:cs typeface="Arial" pitchFamily="34" charset="0"/>
-              </a:rPr>
-              <a:t> RSA</a:t>
-            </a:r>
-          </a:p>
-          <a:p>
-            <a:pPr marL="1150938" indent="-574675">
-              <a:buFont typeface="Wingdings" pitchFamily="2" charset="2"/>
-              <a:buChar char="Ø"/>
-            </a:pPr>
-            <a:r>
-              <a:rPr lang="en-US" dirty="0" err="1">
-                <a:latin typeface="Arial" pitchFamily="34" charset="0"/>
-                <a:cs typeface="Arial" pitchFamily="34" charset="0"/>
-              </a:rPr>
-              <a:t>Cách</a:t>
-            </a:r>
-            <a:r>
-              <a:rPr lang="en-US" dirty="0">
-                <a:latin typeface="Arial" pitchFamily="34" charset="0"/>
-                <a:cs typeface="Arial" pitchFamily="34" charset="0"/>
-              </a:rPr>
-              <a:t> </a:t>
-            </a:r>
-            <a:r>
-              <a:rPr lang="en-US" dirty="0" err="1">
-                <a:latin typeface="Arial" pitchFamily="34" charset="0"/>
-                <a:cs typeface="Arial" pitchFamily="34" charset="0"/>
-              </a:rPr>
-              <a:t>tạo</a:t>
-            </a:r>
-            <a:r>
-              <a:rPr lang="en-US" dirty="0">
-                <a:latin typeface="Arial" pitchFamily="34" charset="0"/>
-                <a:cs typeface="Arial" pitchFamily="34" charset="0"/>
-              </a:rPr>
-              <a:t> </a:t>
-            </a:r>
-            <a:r>
-              <a:rPr lang="en-US" dirty="0" err="1">
-                <a:latin typeface="Arial" pitchFamily="34" charset="0"/>
-                <a:cs typeface="Arial" pitchFamily="34" charset="0"/>
-              </a:rPr>
-              <a:t>khóa</a:t>
-            </a:r>
-            <a:r>
-              <a:rPr lang="en-US" dirty="0">
-                <a:latin typeface="Arial" pitchFamily="34" charset="0"/>
-                <a:cs typeface="Arial" pitchFamily="34" charset="0"/>
-              </a:rPr>
-              <a:t> </a:t>
-            </a:r>
-            <a:r>
-              <a:rPr lang="en-US" dirty="0" err="1">
-                <a:latin typeface="Arial" pitchFamily="34" charset="0"/>
-                <a:cs typeface="Arial" pitchFamily="34" charset="0"/>
-              </a:rPr>
-              <a:t>và</a:t>
-            </a:r>
-            <a:r>
-              <a:rPr lang="en-US" dirty="0">
-                <a:latin typeface="Arial" pitchFamily="34" charset="0"/>
-                <a:cs typeface="Arial" pitchFamily="34" charset="0"/>
-              </a:rPr>
-              <a:t> </a:t>
-            </a:r>
-            <a:r>
-              <a:rPr lang="en-US" dirty="0" err="1">
-                <a:latin typeface="Arial" pitchFamily="34" charset="0"/>
-                <a:cs typeface="Arial" pitchFamily="34" charset="0"/>
-              </a:rPr>
-              <a:t>một</a:t>
-            </a:r>
-            <a:r>
-              <a:rPr lang="en-US" dirty="0">
-                <a:latin typeface="Arial" pitchFamily="34" charset="0"/>
-                <a:cs typeface="Arial" pitchFamily="34" charset="0"/>
-              </a:rPr>
-              <a:t> </a:t>
-            </a:r>
-            <a:r>
-              <a:rPr lang="en-US" dirty="0" err="1">
-                <a:latin typeface="Arial" pitchFamily="34" charset="0"/>
-                <a:cs typeface="Arial" pitchFamily="34" charset="0"/>
-              </a:rPr>
-              <a:t>số</a:t>
-            </a:r>
-            <a:r>
-              <a:rPr lang="en-US" dirty="0">
-                <a:latin typeface="Arial" pitchFamily="34" charset="0"/>
-                <a:cs typeface="Arial" pitchFamily="34" charset="0"/>
-              </a:rPr>
-              <a:t> </a:t>
-            </a:r>
-            <a:r>
-              <a:rPr lang="en-US" dirty="0" err="1">
-                <a:latin typeface="Arial" pitchFamily="34" charset="0"/>
-                <a:cs typeface="Arial" pitchFamily="34" charset="0"/>
-              </a:rPr>
-              <a:t>ví</a:t>
-            </a:r>
-            <a:r>
-              <a:rPr lang="en-US" dirty="0">
-                <a:latin typeface="Arial" pitchFamily="34" charset="0"/>
-                <a:cs typeface="Arial" pitchFamily="34" charset="0"/>
-              </a:rPr>
-              <a:t> </a:t>
-            </a:r>
-            <a:r>
-              <a:rPr lang="en-US" dirty="0" err="1">
-                <a:latin typeface="Arial" pitchFamily="34" charset="0"/>
-                <a:cs typeface="Arial" pitchFamily="34" charset="0"/>
-              </a:rPr>
-              <a:t>dụ</a:t>
-            </a:r>
-            <a:r>
-              <a:rPr lang="en-US" dirty="0">
-                <a:latin typeface="Arial" pitchFamily="34" charset="0"/>
-                <a:cs typeface="Arial" pitchFamily="34" charset="0"/>
-              </a:rPr>
-              <a:t> </a:t>
-            </a:r>
-            <a:r>
-              <a:rPr lang="en-US" dirty="0" err="1">
-                <a:latin typeface="Arial" pitchFamily="34" charset="0"/>
-                <a:cs typeface="Arial" pitchFamily="34" charset="0"/>
-              </a:rPr>
-              <a:t>mã</a:t>
-            </a:r>
-            <a:r>
-              <a:rPr lang="en-US" dirty="0">
-                <a:latin typeface="Arial" pitchFamily="34" charset="0"/>
-                <a:cs typeface="Arial" pitchFamily="34" charset="0"/>
-              </a:rPr>
-              <a:t> </a:t>
-            </a:r>
-            <a:r>
-              <a:rPr lang="en-US" dirty="0" err="1">
-                <a:latin typeface="Arial" pitchFamily="34" charset="0"/>
-                <a:cs typeface="Arial" pitchFamily="34" charset="0"/>
-              </a:rPr>
-              <a:t>hóa</a:t>
-            </a:r>
-            <a:r>
-              <a:rPr lang="en-US" dirty="0">
-                <a:latin typeface="Arial" pitchFamily="34" charset="0"/>
-                <a:cs typeface="Arial" pitchFamily="34" charset="0"/>
-              </a:rPr>
-              <a:t> RSA</a:t>
-            </a:r>
-          </a:p>
-          <a:p>
-            <a:pPr marL="1150938" indent="-574675">
-              <a:buFont typeface="Wingdings" pitchFamily="2" charset="2"/>
-              <a:buChar char="Ø"/>
-            </a:pPr>
-            <a:r>
-              <a:rPr lang="en-US" dirty="0" err="1">
-                <a:latin typeface="Arial" pitchFamily="34" charset="0"/>
-                <a:cs typeface="Arial" pitchFamily="34" charset="0"/>
-              </a:rPr>
-              <a:t>Độ</a:t>
-            </a:r>
-            <a:r>
-              <a:rPr lang="en-US" dirty="0">
-                <a:latin typeface="Arial" pitchFamily="34" charset="0"/>
-                <a:cs typeface="Arial" pitchFamily="34" charset="0"/>
-              </a:rPr>
-              <a:t> an </a:t>
-            </a:r>
-            <a:r>
-              <a:rPr lang="en-US" dirty="0" err="1">
-                <a:latin typeface="Arial" pitchFamily="34" charset="0"/>
-                <a:cs typeface="Arial" pitchFamily="34" charset="0"/>
-              </a:rPr>
-              <a:t>toàn</a:t>
-            </a:r>
-            <a:r>
-              <a:rPr lang="en-US" dirty="0">
-                <a:latin typeface="Arial" pitchFamily="34" charset="0"/>
-                <a:cs typeface="Arial" pitchFamily="34" charset="0"/>
-              </a:rPr>
-              <a:t> </a:t>
-            </a:r>
-            <a:r>
-              <a:rPr lang="en-US" dirty="0" err="1">
-                <a:latin typeface="Arial" pitchFamily="34" charset="0"/>
-                <a:cs typeface="Arial" pitchFamily="34" charset="0"/>
-              </a:rPr>
-              <a:t>của</a:t>
-            </a:r>
-            <a:r>
-              <a:rPr lang="en-US" dirty="0">
-                <a:latin typeface="Arial" pitchFamily="34" charset="0"/>
-                <a:cs typeface="Arial" pitchFamily="34" charset="0"/>
-              </a:rPr>
-              <a:t> </a:t>
-            </a:r>
-            <a:r>
-              <a:rPr lang="en-US" dirty="0" err="1">
-                <a:latin typeface="Arial" pitchFamily="34" charset="0"/>
-                <a:cs typeface="Arial" pitchFamily="34" charset="0"/>
-              </a:rPr>
-              <a:t>hệ</a:t>
-            </a:r>
-            <a:r>
-              <a:rPr lang="en-US" dirty="0">
-                <a:latin typeface="Arial" pitchFamily="34" charset="0"/>
-                <a:cs typeface="Arial" pitchFamily="34" charset="0"/>
-              </a:rPr>
-              <a:t> </a:t>
-            </a:r>
-            <a:r>
-              <a:rPr lang="en-US" dirty="0" err="1">
-                <a:latin typeface="Arial" pitchFamily="34" charset="0"/>
-                <a:cs typeface="Arial" pitchFamily="34" charset="0"/>
-              </a:rPr>
-              <a:t>mã</a:t>
-            </a:r>
-            <a:r>
-              <a:rPr lang="en-US" dirty="0">
-                <a:latin typeface="Arial" pitchFamily="34" charset="0"/>
-                <a:cs typeface="Arial" pitchFamily="34" charset="0"/>
-              </a:rPr>
-              <a:t> </a:t>
-            </a:r>
-            <a:r>
-              <a:rPr lang="en-US" dirty="0" err="1">
-                <a:latin typeface="Arial" pitchFamily="34" charset="0"/>
-                <a:cs typeface="Arial" pitchFamily="34" charset="0"/>
-              </a:rPr>
-              <a:t>hóa</a:t>
-            </a:r>
-            <a:r>
-              <a:rPr lang="en-US" dirty="0">
-                <a:latin typeface="Arial" pitchFamily="34" charset="0"/>
-                <a:cs typeface="Arial" pitchFamily="34" charset="0"/>
-              </a:rPr>
-              <a:t> </a:t>
-            </a:r>
-            <a:r>
-              <a:rPr lang="en-US" dirty="0" err="1">
-                <a:latin typeface="Arial" pitchFamily="34" charset="0"/>
-                <a:cs typeface="Arial" pitchFamily="34" charset="0"/>
-              </a:rPr>
-              <a:t>công</a:t>
-            </a:r>
-            <a:r>
-              <a:rPr lang="en-US" dirty="0">
-                <a:latin typeface="Arial" pitchFamily="34" charset="0"/>
-                <a:cs typeface="Arial" pitchFamily="34" charset="0"/>
-              </a:rPr>
-              <a:t> </a:t>
-            </a:r>
-            <a:r>
-              <a:rPr lang="en-US" dirty="0" err="1">
-                <a:latin typeface="Arial" pitchFamily="34" charset="0"/>
-                <a:cs typeface="Arial" pitchFamily="34" charset="0"/>
-              </a:rPr>
-              <a:t>khai</a:t>
-            </a:r>
-            <a:r>
-              <a:rPr lang="en-US" dirty="0">
-                <a:latin typeface="Arial" pitchFamily="34" charset="0"/>
-                <a:cs typeface="Arial" pitchFamily="34" charset="0"/>
-              </a:rPr>
-              <a:t> RSA</a:t>
-            </a:r>
-          </a:p>
-          <a:p>
-            <a:pPr marL="1150938" indent="-574675">
-              <a:buFont typeface="Wingdings" pitchFamily="2" charset="2"/>
-              <a:buChar char="Ø"/>
-            </a:pPr>
-            <a:r>
-              <a:rPr lang="en-US" dirty="0" err="1">
-                <a:latin typeface="Arial" pitchFamily="34" charset="0"/>
-                <a:cs typeface="Arial" pitchFamily="34" charset="0"/>
-              </a:rPr>
-              <a:t>Ứng</a:t>
-            </a:r>
-            <a:r>
-              <a:rPr lang="en-US" dirty="0">
-                <a:latin typeface="Arial" pitchFamily="34" charset="0"/>
-                <a:cs typeface="Arial" pitchFamily="34" charset="0"/>
-              </a:rPr>
-              <a:t> </a:t>
-            </a:r>
-            <a:r>
-              <a:rPr lang="en-US" dirty="0" err="1">
-                <a:latin typeface="Arial" pitchFamily="34" charset="0"/>
-                <a:cs typeface="Arial" pitchFamily="34" charset="0"/>
-              </a:rPr>
-              <a:t>dụng</a:t>
-            </a:r>
-            <a:r>
-              <a:rPr lang="en-US" dirty="0">
-                <a:latin typeface="Arial" pitchFamily="34" charset="0"/>
-                <a:cs typeface="Arial" pitchFamily="34" charset="0"/>
-              </a:rPr>
-              <a:t> </a:t>
-            </a:r>
-            <a:r>
-              <a:rPr lang="en-US" dirty="0" err="1">
-                <a:latin typeface="Arial" pitchFamily="34" charset="0"/>
-                <a:cs typeface="Arial" pitchFamily="34" charset="0"/>
-              </a:rPr>
-              <a:t>của</a:t>
-            </a:r>
-            <a:r>
-              <a:rPr lang="en-US" dirty="0">
-                <a:latin typeface="Arial" pitchFamily="34" charset="0"/>
-                <a:cs typeface="Arial" pitchFamily="34" charset="0"/>
-              </a:rPr>
-              <a:t> </a:t>
-            </a:r>
-            <a:r>
-              <a:rPr lang="en-US" dirty="0" err="1">
-                <a:latin typeface="Arial" pitchFamily="34" charset="0"/>
-                <a:cs typeface="Arial" pitchFamily="34" charset="0"/>
-              </a:rPr>
-              <a:t>hệ</a:t>
-            </a:r>
-            <a:r>
-              <a:rPr lang="en-US" dirty="0">
-                <a:latin typeface="Arial" pitchFamily="34" charset="0"/>
-                <a:cs typeface="Arial" pitchFamily="34" charset="0"/>
-              </a:rPr>
-              <a:t> </a:t>
-            </a:r>
-            <a:r>
-              <a:rPr lang="en-US" dirty="0" err="1">
-                <a:latin typeface="Arial" pitchFamily="34" charset="0"/>
-                <a:cs typeface="Arial" pitchFamily="34" charset="0"/>
-              </a:rPr>
-              <a:t>mã</a:t>
-            </a:r>
-            <a:r>
-              <a:rPr lang="en-US" dirty="0">
-                <a:latin typeface="Arial" pitchFamily="34" charset="0"/>
-                <a:cs typeface="Arial" pitchFamily="34" charset="0"/>
-              </a:rPr>
-              <a:t> </a:t>
-            </a:r>
-            <a:r>
-              <a:rPr lang="en-US" dirty="0" err="1">
-                <a:latin typeface="Arial" pitchFamily="34" charset="0"/>
-                <a:cs typeface="Arial" pitchFamily="34" charset="0"/>
-              </a:rPr>
-              <a:t>hóa</a:t>
-            </a:r>
-            <a:r>
-              <a:rPr lang="en-US" dirty="0">
-                <a:latin typeface="Arial" pitchFamily="34" charset="0"/>
-                <a:cs typeface="Arial" pitchFamily="34" charset="0"/>
-              </a:rPr>
-              <a:t> RSA</a:t>
-            </a:r>
-          </a:p>
-          <a:p>
-            <a:pPr marL="1150938" indent="-574675">
-              <a:buFont typeface="Wingdings" pitchFamily="2" charset="2"/>
-              <a:buChar char="Ø"/>
-            </a:pPr>
-            <a:r>
-              <a:rPr lang="en-US" dirty="0" err="1">
-                <a:latin typeface="Arial" pitchFamily="34" charset="0"/>
-                <a:cs typeface="Arial" pitchFamily="34" charset="0"/>
-              </a:rPr>
-              <a:t>Nhận</a:t>
-            </a:r>
-            <a:r>
-              <a:rPr lang="en-US" dirty="0">
-                <a:latin typeface="Arial" pitchFamily="34" charset="0"/>
-                <a:cs typeface="Arial" pitchFamily="34" charset="0"/>
-              </a:rPr>
-              <a:t> </a:t>
-            </a:r>
-            <a:r>
-              <a:rPr lang="en-US" dirty="0" err="1">
-                <a:latin typeface="Arial" pitchFamily="34" charset="0"/>
-                <a:cs typeface="Arial" pitchFamily="34" charset="0"/>
-              </a:rPr>
-              <a:t>xét</a:t>
-            </a:r>
-            <a:r>
-              <a:rPr lang="en-US" dirty="0">
-                <a:latin typeface="Arial" pitchFamily="34" charset="0"/>
-                <a:cs typeface="Arial" pitchFamily="34" charset="0"/>
-              </a:rPr>
-              <a:t> </a:t>
-            </a:r>
-            <a:r>
-              <a:rPr lang="en-US" dirty="0" err="1">
-                <a:latin typeface="Arial" pitchFamily="34" charset="0"/>
-                <a:cs typeface="Arial" pitchFamily="34" charset="0"/>
-              </a:rPr>
-              <a:t>và</a:t>
-            </a:r>
-            <a:r>
-              <a:rPr lang="en-US" dirty="0">
-                <a:latin typeface="Arial" pitchFamily="34" charset="0"/>
-                <a:cs typeface="Arial" pitchFamily="34" charset="0"/>
-              </a:rPr>
-              <a:t> </a:t>
-            </a:r>
-            <a:r>
-              <a:rPr lang="en-US" dirty="0" err="1">
-                <a:latin typeface="Arial" pitchFamily="34" charset="0"/>
-                <a:cs typeface="Arial" pitchFamily="34" charset="0"/>
-              </a:rPr>
-              <a:t>kết</a:t>
-            </a:r>
-            <a:r>
-              <a:rPr lang="en-US" dirty="0">
-                <a:latin typeface="Arial" pitchFamily="34" charset="0"/>
-                <a:cs typeface="Arial" pitchFamily="34" charset="0"/>
-              </a:rPr>
-              <a:t> </a:t>
-            </a:r>
-            <a:r>
-              <a:rPr lang="en-US" dirty="0" err="1">
-                <a:latin typeface="Arial" pitchFamily="34" charset="0"/>
-                <a:cs typeface="Arial" pitchFamily="34" charset="0"/>
-              </a:rPr>
-              <a:t>luận</a:t>
-            </a:r>
-            <a:endParaRPr lang="en-US" dirty="0">
-              <a:latin typeface="Arial" pitchFamily="34" charset="0"/>
-              <a:cs typeface="Arial" pitchFamily="34" charset="0"/>
-            </a:endParaRPr>
-          </a:p>
-          <a:p>
-            <a:pPr marL="1150938" indent="-574675">
-              <a:buFont typeface="Wingdings" pitchFamily="2" charset="2"/>
-              <a:buChar char="Ø"/>
-            </a:pPr>
-            <a:r>
-              <a:rPr lang="en-US" dirty="0">
-                <a:latin typeface="Arial" pitchFamily="34" charset="0"/>
-                <a:cs typeface="Arial" pitchFamily="34" charset="0"/>
-              </a:rPr>
-              <a:t>Demo </a:t>
-            </a:r>
-            <a:r>
-              <a:rPr lang="en-US" dirty="0" err="1">
-                <a:latin typeface="Arial" pitchFamily="34" charset="0"/>
-                <a:cs typeface="Arial" pitchFamily="34" charset="0"/>
-              </a:rPr>
-              <a:t>chương</a:t>
-            </a:r>
-            <a:r>
-              <a:rPr lang="en-US" dirty="0">
-                <a:latin typeface="Arial" pitchFamily="34" charset="0"/>
-                <a:cs typeface="Arial" pitchFamily="34" charset="0"/>
-              </a:rPr>
-              <a:t> </a:t>
-            </a:r>
-            <a:r>
-              <a:rPr lang="en-US" dirty="0" err="1">
-                <a:latin typeface="Arial" pitchFamily="34" charset="0"/>
-                <a:cs typeface="Arial" pitchFamily="34" charset="0"/>
-              </a:rPr>
-              <a:t>trình</a:t>
-            </a:r>
-            <a:endParaRPr lang="en-US" dirty="0">
-              <a:latin typeface="Arial" pitchFamily="34" charset="0"/>
-              <a:cs typeface="Arial" pitchFamily="34" charset="0"/>
-            </a:endParaRPr>
-          </a:p>
-        </p:txBody>
-      </p:sp>
-      <p:sp>
-        <p:nvSpPr>
-          <p:cNvPr id="3" name="Title 2"/>
-          <p:cNvSpPr>
-            <a:spLocks noGrp="1"/>
-          </p:cNvSpPr>
-          <p:nvPr>
-            <p:ph type="title"/>
-          </p:nvPr>
-        </p:nvSpPr>
-        <p:spPr/>
-        <p:txBody>
-          <a:bodyPr/>
-          <a:lstStyle/>
-          <a:p>
-            <a:r>
-              <a:rPr lang="en-US" dirty="0"/>
-              <a:t>CÁC NỘI DUNG CHÍNH</a:t>
-            </a:r>
-          </a:p>
-        </p:txBody>
-      </p:sp>
-    </p:spTree>
-  </p:cSld>
-  <p:clrMapOvr>
-    <a:masterClrMapping/>
-  </p:clrMapOvr>
-</p:sld>
-</file>
-
-<file path=ppt/slides/slide20.xml><?xml version="1.0" encoding="utf-8"?>
+<file path=ppt/slides/slide21.xml><?xml version="1.0" encoding="utf-8"?>
 <p:sld xmlns:a="http://schemas.openxmlformats.org/drawingml/2006/main" xmlns:r="http://schemas.openxmlformats.org/officeDocument/2006/relationships" xmlns:p="http://schemas.openxmlformats.org/presentationml/2006/main">
   <p:cSld>
     <p:spTree>
@@ -12194,7 +14775,7 @@
 </p:sld>
 </file>
 
-<file path=ppt/slides/slide21.xml><?xml version="1.0" encoding="utf-8"?>
+<file path=ppt/slides/slide22.xml><?xml version="1.0" encoding="utf-8"?>
 <p:sld xmlns:a="http://schemas.openxmlformats.org/drawingml/2006/main" xmlns:r="http://schemas.openxmlformats.org/officeDocument/2006/relationships" xmlns:p="http://schemas.openxmlformats.org/presentationml/2006/main">
   <p:cSld>
     <p:spTree>
@@ -12604,7 +15185,7 @@
 </p:sld>
 </file>
 
-<file path=ppt/slides/slide22.xml><?xml version="1.0" encoding="utf-8"?>
+<file path=ppt/slides/slide23.xml><?xml version="1.0" encoding="utf-8"?>
 <p:sld xmlns:a="http://schemas.openxmlformats.org/drawingml/2006/main" xmlns:r="http://schemas.openxmlformats.org/officeDocument/2006/relationships" xmlns:p="http://schemas.openxmlformats.org/presentationml/2006/main">
   <p:cSld>
     <p:spTree>
@@ -14361,7 +16942,7 @@
 </p:sld>
 </file>
 
-<file path=ppt/slides/slide23.xml><?xml version="1.0" encoding="utf-8"?>
+<file path=ppt/slides/slide24.xml><?xml version="1.0" encoding="utf-8"?>
 <p:sld xmlns:a="http://schemas.openxmlformats.org/drawingml/2006/main" xmlns:r="http://schemas.openxmlformats.org/officeDocument/2006/relationships" xmlns:p="http://schemas.openxmlformats.org/presentationml/2006/main">
   <p:cSld>
     <p:spTree>
